--- a/slides/LeeKatz MGE tools.pptx
+++ b/slides/LeeKatz MGE tools.pptx
@@ -5,10 +5,10 @@
     <p:sldMasterId id="2147483808" r:id="rId1"/>
   </p:sldMasterIdLst>
   <p:notesMasterIdLst>
-    <p:notesMasterId r:id="rId29"/>
+    <p:notesMasterId r:id="rId30"/>
   </p:notesMasterIdLst>
   <p:handoutMasterIdLst>
-    <p:handoutMasterId r:id="rId30"/>
+    <p:handoutMasterId r:id="rId31"/>
   </p:handoutMasterIdLst>
   <p:sldIdLst>
     <p:sldId id="257" r:id="rId2"/>
@@ -25,42 +25,43 @@
     <p:sldId id="312" r:id="rId13"/>
     <p:sldId id="314" r:id="rId14"/>
     <p:sldId id="317" r:id="rId15"/>
-    <p:sldId id="315" r:id="rId16"/>
-    <p:sldId id="318" r:id="rId17"/>
-    <p:sldId id="319" r:id="rId18"/>
-    <p:sldId id="321" r:id="rId19"/>
-    <p:sldId id="320" r:id="rId20"/>
-    <p:sldId id="517" r:id="rId21"/>
-    <p:sldId id="515" r:id="rId22"/>
-    <p:sldId id="518" r:id="rId23"/>
-    <p:sldId id="519" r:id="rId24"/>
-    <p:sldId id="520" r:id="rId25"/>
-    <p:sldId id="521" r:id="rId26"/>
-    <p:sldId id="522" r:id="rId27"/>
-    <p:sldId id="514" r:id="rId28"/>
+    <p:sldId id="524" r:id="rId16"/>
+    <p:sldId id="315" r:id="rId17"/>
+    <p:sldId id="318" r:id="rId18"/>
+    <p:sldId id="319" r:id="rId19"/>
+    <p:sldId id="321" r:id="rId20"/>
+    <p:sldId id="320" r:id="rId21"/>
+    <p:sldId id="517" r:id="rId22"/>
+    <p:sldId id="515" r:id="rId23"/>
+    <p:sldId id="518" r:id="rId24"/>
+    <p:sldId id="519" r:id="rId25"/>
+    <p:sldId id="520" r:id="rId26"/>
+    <p:sldId id="521" r:id="rId27"/>
+    <p:sldId id="522" r:id="rId28"/>
+    <p:sldId id="523" r:id="rId29"/>
   </p:sldIdLst>
   <p:sldSz cx="9144000" cy="5143500" type="screen16x9"/>
   <p:notesSz cx="7315200" cy="9601200"/>
   <p:embeddedFontLst>
     <p:embeddedFont>
       <p:font typeface="Calibri" panose="020F0502020204030204" pitchFamily="34" charset="0"/>
-      <p:regular r:id="rId31"/>
-      <p:bold r:id="rId32"/>
-      <p:italic r:id="rId33"/>
-      <p:boldItalic r:id="rId34"/>
+      <p:regular r:id="rId32"/>
+      <p:bold r:id="rId33"/>
+      <p:italic r:id="rId34"/>
+      <p:boldItalic r:id="rId35"/>
     </p:embeddedFont>
     <p:embeddedFont>
       <p:font typeface="Myriad Web Pro" panose="020B0604020202020204" charset="0"/>
-      <p:regular r:id="rId35"/>
-      <p:bold r:id="rId36"/>
-      <p:italic r:id="rId37"/>
+      <p:regular r:id="rId36"/>
+      <p:bold r:id="rId37"/>
+      <p:italic r:id="rId38"/>
     </p:embeddedFont>
     <p:embeddedFont>
       <p:font typeface="Roboto" panose="02000000000000000000" pitchFamily="2" charset="0"/>
-      <p:regular r:id="rId38"/>
-      <p:bold r:id="rId39"/>
-      <p:italic r:id="rId40"/>
-      <p:boldItalic r:id="rId41"/>
+      <p:regular r:id="rId39"/>
+      <p:bold r:id="rId40"/>
+      <p:italic r:id="rId41"/>
+      <p:boldItalic r:id="rId42"/>
     </p:embeddedFont>
   </p:embeddedFontLst>
   <p:defaultTextStyle>
@@ -213,7 +214,7 @@
 <file path=ppt/revisionInfo.xml><?xml version="1.0" encoding="utf-8"?>
 <p1510:revInfo xmlns:a="http://schemas.openxmlformats.org/drawingml/2006/main" xmlns:r="http://schemas.openxmlformats.org/officeDocument/2006/relationships" xmlns:p1510="http://schemas.microsoft.com/office/powerpoint/2015/10/main">
   <p1510:revLst>
-    <p1510:client id="{A40C4ADD-8A24-4DAF-9AB7-EE3A56DF8E64}" v="368" dt="2022-07-02T15:43:01.946"/>
+    <p1510:client id="{A40C4ADD-8A24-4DAF-9AB7-EE3A56DF8E64}" v="436" dt="2022-07-06T17:54:02.884"/>
   </p1510:revLst>
 </p1510:revInfo>
 </file>
@@ -2511,7 +2512,7 @@
         <a:p>
           <a:r>
             <a:rPr lang="en-US" dirty="0"/>
-            <a:t>blast</a:t>
+            <a:t>BLAST</a:t>
           </a:r>
         </a:p>
       </dgm:t>
@@ -2908,7 +2909,7 @@
         <a:p>
           <a:r>
             <a:rPr lang="en-US" dirty="0"/>
-            <a:t>blast</a:t>
+            <a:t>BLAST</a:t>
           </a:r>
         </a:p>
       </dgm:t>
@@ -3278,7 +3279,7 @@
           </a:pPr>
           <a:r>
             <a:rPr lang="en-US" sz="1600" kern="1200" dirty="0"/>
-            <a:t>blast</a:t>
+            <a:t>BLAST</a:t>
           </a:r>
         </a:p>
       </dsp:txBody>
@@ -4056,7 +4057,7 @@
           </a:pPr>
           <a:r>
             <a:rPr lang="en-US" sz="1600" kern="1200" dirty="0"/>
-            <a:t>blast</a:t>
+            <a:t>BLAST</a:t>
           </a:r>
         </a:p>
       </dsp:txBody>
@@ -7840,7 +7841,7 @@
           <a:p>
             <a:fld id="{CCD9D4F3-1CB6-4E57-BC6A-8FDD6DF1AC39}" type="datetimeFigureOut">
               <a:rPr lang="en-US" smtClean="0"/>
-              <a:t>7/2/2022</a:t>
+              <a:t>7/6/2022</a:t>
             </a:fld>
             <a:endParaRPr lang="en-US"/>
           </a:p>
@@ -8033,7 +8034,7 @@
               <a:pPr>
                 <a:defRPr/>
               </a:pPr>
-              <a:t>7/2/2022</a:t>
+              <a:t>7/6/2022</a:t>
             </a:fld>
             <a:endParaRPr lang="en-US"/>
           </a:p>
@@ -8807,6 +8808,99 @@
     <p:extLst>
       <p:ext uri="{BB962C8B-B14F-4D97-AF65-F5344CB8AC3E}">
         <p14:creationId xmlns:p14="http://schemas.microsoft.com/office/powerpoint/2010/main" val="405680525"/>
+      </p:ext>
+    </p:extLst>
+  </p:cSld>
+  <p:clrMapOvr>
+    <a:masterClrMapping/>
+  </p:clrMapOvr>
+</p:notes>
+</file>
+
+<file path=ppt/notesSlides/notesSlide4.xml><?xml version="1.0" encoding="utf-8"?>
+<p:notes xmlns:a="http://schemas.openxmlformats.org/drawingml/2006/main" xmlns:r="http://schemas.openxmlformats.org/officeDocument/2006/relationships" xmlns:p="http://schemas.openxmlformats.org/presentationml/2006/main">
+  <p:cSld>
+    <p:spTree>
+      <p:nvGrpSpPr>
+        <p:cNvPr id="1" name=""/>
+        <p:cNvGrpSpPr/>
+        <p:nvPr/>
+      </p:nvGrpSpPr>
+      <p:grpSpPr>
+        <a:xfrm>
+          <a:off x="0" y="0"/>
+          <a:ext cx="0" cy="0"/>
+          <a:chOff x="0" y="0"/>
+          <a:chExt cx="0" cy="0"/>
+        </a:xfrm>
+      </p:grpSpPr>
+      <p:sp>
+        <p:nvSpPr>
+          <p:cNvPr id="2" name="Slide Image Placeholder 1"/>
+          <p:cNvSpPr>
+            <a:spLocks noGrp="1" noRot="1" noChangeAspect="1"/>
+          </p:cNvSpPr>
+          <p:nvPr>
+            <p:ph type="sldImg"/>
+          </p:nvPr>
+        </p:nvSpPr>
+        <p:spPr/>
+      </p:sp>
+      <p:sp>
+        <p:nvSpPr>
+          <p:cNvPr id="3" name="Notes Placeholder 2"/>
+          <p:cNvSpPr>
+            <a:spLocks noGrp="1"/>
+          </p:cNvSpPr>
+          <p:nvPr>
+            <p:ph type="body" idx="1"/>
+          </p:nvPr>
+        </p:nvSpPr>
+        <p:spPr/>
+        <p:txBody>
+          <a:bodyPr/>
+          <a:lstStyle/>
+          <a:p>
+            <a:r>
+              <a:rPr lang="en-US" dirty="0"/>
+              <a:t>https://en.wikipedia.org/wiki/Carl_Sagan</a:t>
+            </a:r>
+          </a:p>
+        </p:txBody>
+      </p:sp>
+      <p:sp>
+        <p:nvSpPr>
+          <p:cNvPr id="4" name="Slide Number Placeholder 3"/>
+          <p:cNvSpPr>
+            <a:spLocks noGrp="1"/>
+          </p:cNvSpPr>
+          <p:nvPr>
+            <p:ph type="sldNum" sz="quarter" idx="5"/>
+          </p:nvPr>
+        </p:nvSpPr>
+        <p:spPr/>
+        <p:txBody>
+          <a:bodyPr/>
+          <a:lstStyle/>
+          <a:p>
+            <a:pPr>
+              <a:defRPr/>
+            </a:pPr>
+            <a:fld id="{EB38CAEC-4554-485B-9189-C45C7447A404}" type="slidenum">
+              <a:rPr lang="en-US" smtClean="0"/>
+              <a:pPr>
+                <a:defRPr/>
+              </a:pPr>
+              <a:t>14</a:t>
+            </a:fld>
+            <a:endParaRPr lang="en-US"/>
+          </a:p>
+        </p:txBody>
+      </p:sp>
+    </p:spTree>
+    <p:extLst>
+      <p:ext uri="{BB962C8B-B14F-4D97-AF65-F5344CB8AC3E}">
+        <p14:creationId xmlns:p14="http://schemas.microsoft.com/office/powerpoint/2010/main" val="62430614"/>
       </p:ext>
     </p:extLst>
   </p:cSld>
@@ -10878,6 +10972,46 @@
           </a:extLst>
         </p:spPr>
       </p:pic>
+      <p:sp>
+        <p:nvSpPr>
+          <p:cNvPr id="7" name="TextBox 6">
+            <a:extLst>
+              <a:ext uri="{FF2B5EF4-FFF2-40B4-BE49-F238E27FC236}">
+                <a16:creationId xmlns:a16="http://schemas.microsoft.com/office/drawing/2014/main" id="{D3BCD14A-3728-4867-A480-D8132AD9EC71}"/>
+              </a:ext>
+            </a:extLst>
+          </p:cNvPr>
+          <p:cNvSpPr txBox="1"/>
+          <p:nvPr/>
+        </p:nvSpPr>
+        <p:spPr>
+          <a:xfrm>
+            <a:off x="5638800" y="4034432"/>
+            <a:ext cx="3352800" cy="923330"/>
+          </a:xfrm>
+          <a:prstGeom prst="rect">
+            <a:avLst/>
+          </a:prstGeom>
+          <a:noFill/>
+        </p:spPr>
+        <p:txBody>
+          <a:bodyPr wrap="square" rtlCol="0">
+            <a:spAutoFit/>
+          </a:bodyPr>
+          <a:lstStyle/>
+          <a:p>
+            <a:r>
+              <a:rPr lang="en-US" dirty="0">
+                <a:solidFill>
+                  <a:srgbClr val="000000"/>
+                </a:solidFill>
+                <a:latin typeface="Calibri" panose="020F0502020204030204" pitchFamily="34" charset="0"/>
+              </a:rPr>
+              <a:t>The statements here do not necessarily reflect the opinions of CDC</a:t>
+            </a:r>
+          </a:p>
+        </p:txBody>
+      </p:sp>
     </p:spTree>
     <p:extLst>
       <p:ext uri="{BB962C8B-B14F-4D97-AF65-F5344CB8AC3E}">
@@ -10888,6 +11022,84 @@
   <p:clrMapOvr>
     <a:masterClrMapping/>
   </p:clrMapOvr>
+  <p:timing>
+    <p:tnLst>
+      <p:par>
+        <p:cTn id="1" dur="indefinite" restart="never" nodeType="tmRoot">
+          <p:childTnLst>
+            <p:seq concurrent="1" nextAc="seek">
+              <p:cTn id="2" dur="indefinite" nodeType="mainSeq">
+                <p:childTnLst>
+                  <p:par>
+                    <p:cTn id="3" fill="hold">
+                      <p:stCondLst>
+                        <p:cond delay="indefinite"/>
+                      </p:stCondLst>
+                      <p:childTnLst>
+                        <p:par>
+                          <p:cTn id="4" fill="hold">
+                            <p:stCondLst>
+                              <p:cond delay="0"/>
+                            </p:stCondLst>
+                            <p:childTnLst>
+                              <p:par>
+                                <p:cTn id="5" presetID="1" presetClass="entr" presetSubtype="0" fill="hold" grpId="0" nodeType="clickEffect">
+                                  <p:stCondLst>
+                                    <p:cond delay="0"/>
+                                  </p:stCondLst>
+                                  <p:childTnLst>
+                                    <p:set>
+                                      <p:cBhvr>
+                                        <p:cTn id="6" dur="1" fill="hold">
+                                          <p:stCondLst>
+                                            <p:cond delay="0"/>
+                                          </p:stCondLst>
+                                        </p:cTn>
+                                        <p:tgtEl>
+                                          <p:spTgt spid="7"/>
+                                        </p:tgtEl>
+                                        <p:attrNameLst>
+                                          <p:attrName>style.visibility</p:attrName>
+                                        </p:attrNameLst>
+                                      </p:cBhvr>
+                                      <p:to>
+                                        <p:strVal val="visible"/>
+                                      </p:to>
+                                    </p:set>
+                                  </p:childTnLst>
+                                </p:cTn>
+                              </p:par>
+                            </p:childTnLst>
+                          </p:cTn>
+                        </p:par>
+                      </p:childTnLst>
+                    </p:cTn>
+                  </p:par>
+                </p:childTnLst>
+              </p:cTn>
+              <p:prevCondLst>
+                <p:cond evt="onPrev" delay="0">
+                  <p:tgtEl>
+                    <p:sldTgt/>
+                  </p:tgtEl>
+                </p:cond>
+              </p:prevCondLst>
+              <p:nextCondLst>
+                <p:cond evt="onNext" delay="0">
+                  <p:tgtEl>
+                    <p:sldTgt/>
+                  </p:tgtEl>
+                </p:cond>
+              </p:nextCondLst>
+            </p:seq>
+          </p:childTnLst>
+        </p:cTn>
+      </p:par>
+    </p:tnLst>
+    <p:bldLst>
+      <p:bldP spid="7" grpId="0"/>
+    </p:bldLst>
+  </p:timing>
 </p:sld>
 </file>
 
@@ -11010,30 +11222,110 @@
             </a:r>
             <a:endParaRPr lang="en-US" dirty="0"/>
           </a:p>
+          <a:p>
+            <a:r>
+              <a:rPr lang="en-US" dirty="0"/>
+              <a:t>Other types not mentioned here</a:t>
+            </a:r>
+          </a:p>
+          <a:p>
+            <a:pPr lvl="1"/>
+            <a:endParaRPr lang="en-US" dirty="0"/>
+          </a:p>
+          <a:p>
+            <a:pPr lvl="1"/>
+            <a:endParaRPr lang="en-US" dirty="0"/>
+          </a:p>
         </p:txBody>
       </p:sp>
-      <p:sp>
-        <p:nvSpPr>
-          <p:cNvPr id="4" name="Content Placeholder 3">
+      <p:pic>
+        <p:nvPicPr>
+          <p:cNvPr id="7172" name="Picture 4">
             <a:extLst>
               <a:ext uri="{FF2B5EF4-FFF2-40B4-BE49-F238E27FC236}">
-                <a16:creationId xmlns:a16="http://schemas.microsoft.com/office/drawing/2014/main" id="{1F47043B-E6A5-43FA-867F-3AE127A483F1}"/>
+                <a16:creationId xmlns:a16="http://schemas.microsoft.com/office/drawing/2014/main" id="{1A1B290F-9CEE-4670-A581-CCB1CF185138}"/>
               </a:ext>
             </a:extLst>
           </p:cNvPr>
-          <p:cNvSpPr>
-            <a:spLocks noGrp="1"/>
-          </p:cNvSpPr>
+          <p:cNvPicPr>
+            <a:picLocks noGrp="1" noChangeAspect="1" noChangeArrowheads="1"/>
+          </p:cNvPicPr>
           <p:nvPr>
             <p:ph idx="10"/>
           </p:nvPr>
+        </p:nvPicPr>
+        <p:blipFill>
+          <a:blip r:embed="rId2">
+            <a:extLst>
+              <a:ext uri="{28A0092B-C50C-407E-A947-70E740481C1C}">
+                <a14:useLocalDpi xmlns:a14="http://schemas.microsoft.com/office/drawing/2010/main" val="0"/>
+              </a:ext>
+            </a:extLst>
+          </a:blip>
+          <a:srcRect/>
+          <a:stretch>
+            <a:fillRect/>
+          </a:stretch>
+        </p:blipFill>
+        <p:spPr bwMode="auto">
+          <a:xfrm>
+            <a:off x="5699125" y="1576387"/>
+            <a:ext cx="2095500" cy="2390775"/>
+          </a:xfrm>
+          <a:prstGeom prst="rect">
+            <a:avLst/>
+          </a:prstGeom>
+          <a:noFill/>
+          <a:extLst>
+            <a:ext uri="{909E8E84-426E-40DD-AFC4-6F175D3DCCD1}">
+              <a14:hiddenFill xmlns:a14="http://schemas.microsoft.com/office/drawing/2010/main">
+                <a:solidFill>
+                  <a:srgbClr val="FFFFFF"/>
+                </a:solidFill>
+              </a14:hiddenFill>
+            </a:ext>
+          </a:extLst>
+        </p:spPr>
+      </p:pic>
+      <p:sp>
+        <p:nvSpPr>
+          <p:cNvPr id="9" name="TextBox 8">
+            <a:extLst>
+              <a:ext uri="{FF2B5EF4-FFF2-40B4-BE49-F238E27FC236}">
+                <a16:creationId xmlns:a16="http://schemas.microsoft.com/office/drawing/2014/main" id="{4D88AF87-7D9D-4D17-9350-969F0E23766F}"/>
+              </a:ext>
+            </a:extLst>
+          </p:cNvPr>
+          <p:cNvSpPr txBox="1"/>
+          <p:nvPr/>
         </p:nvSpPr>
-        <p:spPr/>
+        <p:spPr>
+          <a:xfrm>
+            <a:off x="4572000" y="4744135"/>
+            <a:ext cx="4572000" cy="246221"/>
+          </a:xfrm>
+          <a:prstGeom prst="rect">
+            <a:avLst/>
+          </a:prstGeom>
+          <a:noFill/>
+        </p:spPr>
         <p:txBody>
-          <a:bodyPr/>
+          <a:bodyPr wrap="square">
+            <a:spAutoFit/>
+          </a:bodyPr>
           <a:lstStyle/>
           <a:p>
-            <a:endParaRPr lang="en-US"/>
+            <a:pPr algn="r"/>
+            <a:r>
+              <a:rPr lang="en-US" sz="1000" dirty="0">
+                <a:solidFill>
+                  <a:schemeClr val="accent6"/>
+                </a:solidFill>
+                <a:latin typeface="Roboto" panose="02000000000000000000" pitchFamily="2" charset="0"/>
+                <a:ea typeface="Roboto" panose="02000000000000000000" pitchFamily="2" charset="0"/>
+              </a:rPr>
+              <a:t>https://commons.wikimedia.org/wiki/File:T4_phage_EM.jpg</a:t>
+            </a:r>
           </a:p>
         </p:txBody>
       </p:sp>
@@ -11505,31 +11797,38 @@
           </a:p>
         </p:txBody>
       </p:sp>
-      <p:sp>
-        <p:nvSpPr>
-          <p:cNvPr id="4" name="Content Placeholder 3">
+      <p:pic>
+        <p:nvPicPr>
+          <p:cNvPr id="7" name="Content Placeholder 6">
             <a:extLst>
               <a:ext uri="{FF2B5EF4-FFF2-40B4-BE49-F238E27FC236}">
-                <a16:creationId xmlns:a16="http://schemas.microsoft.com/office/drawing/2014/main" id="{522ADC0B-5B1F-4638-AE93-6C16DC461C58}"/>
+                <a16:creationId xmlns:a16="http://schemas.microsoft.com/office/drawing/2014/main" id="{56CE8F93-E0DA-4284-802E-96034196EDC9}"/>
               </a:ext>
             </a:extLst>
           </p:cNvPr>
-          <p:cNvSpPr>
-            <a:spLocks noGrp="1"/>
-          </p:cNvSpPr>
+          <p:cNvPicPr>
+            <a:picLocks noGrp="1" noChangeAspect="1"/>
+          </p:cNvPicPr>
           <p:nvPr>
             <p:ph idx="10"/>
           </p:nvPr>
-        </p:nvSpPr>
-        <p:spPr/>
-        <p:txBody>
-          <a:bodyPr/>
-          <a:lstStyle/>
-          <a:p>
-            <a:endParaRPr lang="en-US"/>
-          </a:p>
-        </p:txBody>
-      </p:sp>
+        </p:nvPicPr>
+        <p:blipFill>
+          <a:blip r:embed="rId2"/>
+          <a:stretch>
+            <a:fillRect/>
+          </a:stretch>
+        </p:blipFill>
+        <p:spPr>
+          <a:xfrm>
+            <a:off x="4245213" y="897476"/>
+            <a:ext cx="4805286" cy="3143249"/>
+          </a:xfrm>
+          <a:prstGeom prst="rect">
+            <a:avLst/>
+          </a:prstGeom>
+        </p:spPr>
+      </p:pic>
       <p:sp>
         <p:nvSpPr>
           <p:cNvPr id="6" name="TextBox 5">
@@ -11837,7 +12136,7 @@
           </p:nvPr>
         </p:nvPicPr>
         <p:blipFill>
-          <a:blip r:embed="rId2">
+          <a:blip r:embed="rId3">
             <a:extLst>
               <a:ext uri="{28A0092B-C50C-407E-A947-70E740481C1C}">
                 <a14:useLocalDpi xmlns:a14="http://schemas.microsoft.com/office/drawing/2010/main" val="0"/>
@@ -12119,10 +12418,10 @@
       </p:grpSpPr>
       <p:sp>
         <p:nvSpPr>
-          <p:cNvPr id="4" name="Title 3">
+          <p:cNvPr id="2" name="Title 1">
             <a:extLst>
               <a:ext uri="{FF2B5EF4-FFF2-40B4-BE49-F238E27FC236}">
-                <a16:creationId xmlns:a16="http://schemas.microsoft.com/office/drawing/2014/main" id="{997106F5-ECCA-4845-AFE5-4F56B02CE480}"/>
+                <a16:creationId xmlns:a16="http://schemas.microsoft.com/office/drawing/2014/main" id="{E6B2C0D7-1052-4288-9AF4-3ACF39F3E609}"/>
               </a:ext>
             </a:extLst>
           </p:cNvPr>
@@ -12140,17 +12439,17 @@
           <a:p>
             <a:r>
               <a:rPr lang="en-US" dirty="0"/>
-              <a:t>Grab some data</a:t>
+              <a:t>Let’s find and visualize the MGEs!</a:t>
             </a:r>
           </a:p>
         </p:txBody>
       </p:sp>
       <p:sp>
         <p:nvSpPr>
-          <p:cNvPr id="5" name="Content Placeholder 4">
+          <p:cNvPr id="3" name="Content Placeholder 2">
             <a:extLst>
               <a:ext uri="{FF2B5EF4-FFF2-40B4-BE49-F238E27FC236}">
-                <a16:creationId xmlns:a16="http://schemas.microsoft.com/office/drawing/2014/main" id="{0587DCB9-F4FF-401E-8E63-83D312ECDA41}"/>
+                <a16:creationId xmlns:a16="http://schemas.microsoft.com/office/drawing/2014/main" id="{0A4982D5-1C61-48A3-8799-55F3BA406B54}"/>
               </a:ext>
             </a:extLst>
           </p:cNvPr>
@@ -12161,130 +12460,80 @@
             <p:ph idx="1"/>
           </p:nvPr>
         </p:nvSpPr>
-        <p:spPr>
-          <a:xfrm>
-            <a:off x="457200" y="1200152"/>
-            <a:ext cx="8229600" cy="1499506"/>
-          </a:xfrm>
-          <a:solidFill>
-            <a:schemeClr val="accent6"/>
-          </a:solidFill>
-        </p:spPr>
+        <p:spPr/>
         <p:txBody>
           <a:bodyPr/>
           <a:lstStyle/>
           <a:p>
-            <a:pPr marL="0" indent="0">
-              <a:buNone/>
-            </a:pPr>
-            <a:r>
-              <a:rPr lang="en-US" sz="1400" dirty="0">
-                <a:solidFill>
-                  <a:schemeClr val="bg2"/>
-                </a:solidFill>
-                <a:latin typeface="Courier New" panose="02070309020205020404" pitchFamily="49" charset="0"/>
-                <a:cs typeface="Courier New" panose="02070309020205020404" pitchFamily="49" charset="0"/>
-              </a:rPr>
-              <a:t>cd -</a:t>
-            </a:r>
-            <a:r>
-              <a:rPr lang="en-US" sz="1400" dirty="0" err="1">
-                <a:solidFill>
-                  <a:schemeClr val="bg2"/>
-                </a:solidFill>
-                <a:latin typeface="Courier New" panose="02070309020205020404" pitchFamily="49" charset="0"/>
-                <a:cs typeface="Courier New" panose="02070309020205020404" pitchFamily="49" charset="0"/>
-              </a:rPr>
-              <a:t>pv</a:t>
-            </a:r>
-            <a:r>
-              <a:rPr lang="en-US" sz="1400" dirty="0">
-                <a:solidFill>
-                  <a:schemeClr val="bg2"/>
-                </a:solidFill>
-                <a:latin typeface="Courier New" panose="02070309020205020404" pitchFamily="49" charset="0"/>
-                <a:cs typeface="Courier New" panose="02070309020205020404" pitchFamily="49" charset="0"/>
-              </a:rPr>
-              <a:t> ~/projects/ESCMID-2022</a:t>
-            </a:r>
-          </a:p>
-          <a:p>
-            <a:pPr marL="0" indent="0">
-              <a:buNone/>
-            </a:pPr>
-            <a:r>
-              <a:rPr lang="en-US" sz="1400" dirty="0">
-                <a:solidFill>
-                  <a:schemeClr val="bg2"/>
-                </a:solidFill>
-                <a:latin typeface="Courier New" panose="02070309020205020404" pitchFamily="49" charset="0"/>
-                <a:cs typeface="Courier New" panose="02070309020205020404" pitchFamily="49" charset="0"/>
-              </a:rPr>
-              <a:t>cd ~/projects/ESCMID-2022</a:t>
-            </a:r>
-          </a:p>
-          <a:p>
-            <a:pPr marL="0" indent="0">
-              <a:buNone/>
-            </a:pPr>
-            <a:r>
-              <a:rPr lang="en-US" sz="1400" dirty="0">
-                <a:solidFill>
-                  <a:schemeClr val="bg2"/>
-                </a:solidFill>
-                <a:latin typeface="Courier New" panose="02070309020205020404" pitchFamily="49" charset="0"/>
-                <a:cs typeface="Courier New" panose="02070309020205020404" pitchFamily="49" charset="0"/>
-              </a:rPr>
-              <a:t>git clone https://github.com/MicroBinfie/ESCMID-MGE-2022.git</a:t>
-            </a:r>
-          </a:p>
-          <a:p>
-            <a:pPr marL="0" indent="0">
-              <a:buNone/>
-            </a:pPr>
-            <a:endParaRPr lang="en-US" sz="1400" dirty="0">
-              <a:solidFill>
-                <a:schemeClr val="bg2"/>
-              </a:solidFill>
-              <a:latin typeface="Courier New" panose="02070309020205020404" pitchFamily="49" charset="0"/>
-              <a:cs typeface="Courier New" panose="02070309020205020404" pitchFamily="49" charset="0"/>
-            </a:endParaRPr>
+            <a:r>
+              <a:rPr lang="en-US" dirty="0"/>
+              <a:t>Generate results</a:t>
+            </a:r>
+          </a:p>
+          <a:p>
+            <a:r>
+              <a:rPr lang="en-US" dirty="0"/>
+              <a:t>Will put into viz software</a:t>
+            </a:r>
+          </a:p>
+          <a:p>
+            <a:r>
+              <a:rPr lang="en-US" dirty="0"/>
+              <a:t>Will need annotation files</a:t>
+            </a:r>
+          </a:p>
+          <a:p>
+            <a:pPr lvl="1"/>
+            <a:r>
+              <a:rPr lang="en-US" dirty="0"/>
+              <a:t>Example file types</a:t>
+            </a:r>
+          </a:p>
+          <a:p>
+            <a:pPr lvl="2"/>
+            <a:r>
+              <a:rPr lang="en-US" dirty="0"/>
+              <a:t>BED</a:t>
+            </a:r>
+          </a:p>
+          <a:p>
+            <a:pPr lvl="2"/>
+            <a:r>
+              <a:rPr lang="en-US" dirty="0"/>
+              <a:t>GFF</a:t>
+            </a:r>
           </a:p>
         </p:txBody>
       </p:sp>
-      <p:pic>
-        <p:nvPicPr>
-          <p:cNvPr id="3" name="Content Placeholder 2">
+      <p:sp>
+        <p:nvSpPr>
+          <p:cNvPr id="4" name="Content Placeholder 3">
             <a:extLst>
               <a:ext uri="{FF2B5EF4-FFF2-40B4-BE49-F238E27FC236}">
-                <a16:creationId xmlns:a16="http://schemas.microsoft.com/office/drawing/2014/main" id="{B7317B7E-BD07-4837-8463-DF1C28897FA9}"/>
+                <a16:creationId xmlns:a16="http://schemas.microsoft.com/office/drawing/2014/main" id="{55A99D78-F48A-4AD5-BF83-7985C5C27326}"/>
               </a:ext>
             </a:extLst>
           </p:cNvPr>
-          <p:cNvPicPr>
-            <a:picLocks noGrp="1" noChangeAspect="1"/>
-          </p:cNvPicPr>
+          <p:cNvSpPr>
+            <a:spLocks noGrp="1"/>
+          </p:cNvSpPr>
           <p:nvPr>
             <p:ph idx="10"/>
           </p:nvPr>
-        </p:nvPicPr>
-        <p:blipFill>
-          <a:blip r:embed="rId2"/>
-          <a:stretch>
-            <a:fillRect/>
-          </a:stretch>
-        </p:blipFill>
-        <p:spPr>
-          <a:xfrm>
-            <a:off x="2519765" y="2943225"/>
-            <a:ext cx="4104470" cy="1400175"/>
-          </a:xfrm>
-        </p:spPr>
-      </p:pic>
+        </p:nvSpPr>
+        <p:spPr/>
+        <p:txBody>
+          <a:bodyPr/>
+          <a:lstStyle/>
+          <a:p>
+            <a:endParaRPr lang="en-US"/>
+          </a:p>
+        </p:txBody>
+      </p:sp>
     </p:spTree>
     <p:extLst>
       <p:ext uri="{BB962C8B-B14F-4D97-AF65-F5344CB8AC3E}">
-        <p14:creationId xmlns:p14="http://schemas.microsoft.com/office/powerpoint/2010/main" val="3133964289"/>
+        <p14:creationId xmlns:p14="http://schemas.microsoft.com/office/powerpoint/2010/main" val="658138834"/>
       </p:ext>
     </p:extLst>
   </p:cSld>
@@ -12334,13 +12583,8 @@
           <a:p>
             <a:r>
               <a:rPr lang="en-US" dirty="0"/>
-              <a:t>Query with </a:t>
-            </a:r>
-            <a:r>
-              <a:rPr lang="en-US" dirty="0" err="1"/>
-              <a:t>abricate</a:t>
-            </a:r>
-            <a:endParaRPr lang="en-US" dirty="0"/>
+              <a:t>Grab some data</a:t>
+            </a:r>
           </a:p>
         </p:txBody>
       </p:sp>
@@ -12384,7 +12628,7 @@
                 <a:latin typeface="Courier New" panose="02070309020205020404" pitchFamily="49" charset="0"/>
                 <a:cs typeface="Courier New" panose="02070309020205020404" pitchFamily="49" charset="0"/>
               </a:rPr>
-              <a:t>$ cd ESCMID-MGE-2022/</a:t>
+              <a:t>cd -</a:t>
             </a:r>
             <a:r>
               <a:rPr lang="en-US" sz="1400" dirty="0" err="1">
@@ -12394,7 +12638,7 @@
                 <a:latin typeface="Courier New" panose="02070309020205020404" pitchFamily="49" charset="0"/>
                 <a:cs typeface="Courier New" panose="02070309020205020404" pitchFamily="49" charset="0"/>
               </a:rPr>
-              <a:t>ori</a:t>
+              <a:t>pv</a:t>
             </a:r>
             <a:r>
               <a:rPr lang="en-US" sz="1400" dirty="0">
@@ -12404,7 +12648,7 @@
                 <a:latin typeface="Courier New" panose="02070309020205020404" pitchFamily="49" charset="0"/>
                 <a:cs typeface="Courier New" panose="02070309020205020404" pitchFamily="49" charset="0"/>
               </a:rPr>
-              <a:t> </a:t>
+              <a:t> ~/projects/ESCMID-2022</a:t>
             </a:r>
           </a:p>
           <a:p>
@@ -12419,103 +12663,28 @@
                 <a:latin typeface="Courier New" panose="02070309020205020404" pitchFamily="49" charset="0"/>
                 <a:cs typeface="Courier New" panose="02070309020205020404" pitchFamily="49" charset="0"/>
               </a:rPr>
-              <a:t>$ </a:t>
-            </a:r>
-            <a:r>
-              <a:rPr lang="en-US" sz="1400" dirty="0" err="1">
+              <a:t>cd ~/projects/ESCMID-2022</a:t>
+            </a:r>
+          </a:p>
+          <a:p>
+            <a:pPr marL="0" indent="0">
+              <a:buNone/>
+            </a:pPr>
+            <a:r>
+              <a:rPr lang="en-US" sz="1400" dirty="0">
                 <a:solidFill>
                   <a:schemeClr val="bg2"/>
                 </a:solidFill>
                 <a:latin typeface="Courier New" panose="02070309020205020404" pitchFamily="49" charset="0"/>
                 <a:cs typeface="Courier New" panose="02070309020205020404" pitchFamily="49" charset="0"/>
               </a:rPr>
-              <a:t>abricate</a:t>
-            </a:r>
-            <a:r>
-              <a:rPr lang="en-US" sz="1400" dirty="0">
-                <a:solidFill>
-                  <a:schemeClr val="bg2"/>
-                </a:solidFill>
-                <a:latin typeface="Courier New" panose="02070309020205020404" pitchFamily="49" charset="0"/>
-                <a:cs typeface="Courier New" panose="02070309020205020404" pitchFamily="49" charset="0"/>
-              </a:rPr>
-              <a:t> EC958-HG941718.gbk &gt; EC958-HG941718.gbk.abricate.tsv</a:t>
+              <a:t>git clone https://github.com/MicroBinfie/ESCMID-MGE-2022.git</a:t>
             </a:r>
           </a:p>
           <a:p>
             <a:pPr marL="0" indent="0">
               <a:buNone/>
             </a:pPr>
-            <a:r>
-              <a:rPr lang="en-US" sz="1400" dirty="0">
-                <a:solidFill>
-                  <a:schemeClr val="bg2"/>
-                </a:solidFill>
-                <a:latin typeface="Courier New" panose="02070309020205020404" pitchFamily="49" charset="0"/>
-                <a:cs typeface="Courier New" panose="02070309020205020404" pitchFamily="49" charset="0"/>
-              </a:rPr>
-              <a:t>$ cut -f 1,2,6,13,15 EC958-HG941718.gbk.abricate.tsv | column -</a:t>
-            </a:r>
-            <a:r>
-              <a:rPr lang="en-US" sz="1400" dirty="0" err="1">
-                <a:solidFill>
-                  <a:schemeClr val="bg2"/>
-                </a:solidFill>
-                <a:latin typeface="Courier New" panose="02070309020205020404" pitchFamily="49" charset="0"/>
-                <a:cs typeface="Courier New" panose="02070309020205020404" pitchFamily="49" charset="0"/>
-              </a:rPr>
-              <a:t>ts</a:t>
-            </a:r>
-            <a:r>
-              <a:rPr lang="en-US" sz="1400" dirty="0">
-                <a:solidFill>
-                  <a:schemeClr val="bg2"/>
-                </a:solidFill>
-                <a:latin typeface="Courier New" panose="02070309020205020404" pitchFamily="49" charset="0"/>
-                <a:cs typeface="Courier New" panose="02070309020205020404" pitchFamily="49" charset="0"/>
-              </a:rPr>
-              <a:t> $'\t’</a:t>
-            </a:r>
-          </a:p>
-          <a:p>
-            <a:pPr marL="0" indent="0">
-              <a:buNone/>
-            </a:pPr>
-            <a:r>
-              <a:rPr lang="en-US" sz="1400" dirty="0">
-                <a:solidFill>
-                  <a:schemeClr val="bg2"/>
-                </a:solidFill>
-                <a:latin typeface="Courier New" panose="02070309020205020404" pitchFamily="49" charset="0"/>
-                <a:cs typeface="Courier New" panose="02070309020205020404" pitchFamily="49" charset="0"/>
-              </a:rPr>
-              <a:t># Make a BED file for later</a:t>
-            </a:r>
-          </a:p>
-          <a:p>
-            <a:pPr marL="0" indent="0">
-              <a:buNone/>
-            </a:pPr>
-            <a:r>
-              <a:rPr lang="en-US" sz="1400" dirty="0">
-                <a:solidFill>
-                  <a:schemeClr val="bg2"/>
-                </a:solidFill>
-                <a:latin typeface="Courier New" panose="02070309020205020404" pitchFamily="49" charset="0"/>
-                <a:cs typeface="Courier New" panose="02070309020205020404" pitchFamily="49" charset="0"/>
-              </a:rPr>
-              <a:t>$ cut -f 2-4,15 EC958-HG941718.gbk.abricate.tsv | tail -n +2 &gt; </a:t>
-            </a:r>
-            <a:r>
-              <a:rPr lang="en-US" sz="1400" dirty="0" err="1">
-                <a:solidFill>
-                  <a:schemeClr val="bg2"/>
-                </a:solidFill>
-                <a:latin typeface="Courier New" panose="02070309020205020404" pitchFamily="49" charset="0"/>
-                <a:cs typeface="Courier New" panose="02070309020205020404" pitchFamily="49" charset="0"/>
-              </a:rPr>
-              <a:t>abricate.bed</a:t>
-            </a:r>
             <a:endParaRPr lang="en-US" sz="1400" dirty="0">
               <a:solidFill>
                 <a:schemeClr val="bg2"/>
@@ -12526,104 +12695,39 @@
           </a:p>
         </p:txBody>
       </p:sp>
-      <p:sp>
-        <p:nvSpPr>
-          <p:cNvPr id="6" name="Content Placeholder 5">
+      <p:pic>
+        <p:nvPicPr>
+          <p:cNvPr id="3" name="Content Placeholder 2">
             <a:extLst>
               <a:ext uri="{FF2B5EF4-FFF2-40B4-BE49-F238E27FC236}">
-                <a16:creationId xmlns:a16="http://schemas.microsoft.com/office/drawing/2014/main" id="{BDD66FA4-1102-4669-B958-8B9C4FECD005}"/>
+                <a16:creationId xmlns:a16="http://schemas.microsoft.com/office/drawing/2014/main" id="{B7317B7E-BD07-4837-8463-DF1C28897FA9}"/>
               </a:ext>
             </a:extLst>
           </p:cNvPr>
-          <p:cNvSpPr>
-            <a:spLocks noGrp="1"/>
-          </p:cNvSpPr>
+          <p:cNvPicPr>
+            <a:picLocks noGrp="1" noChangeAspect="1"/>
+          </p:cNvPicPr>
           <p:nvPr>
             <p:ph idx="10"/>
           </p:nvPr>
-        </p:nvSpPr>
+        </p:nvPicPr>
+        <p:blipFill>
+          <a:blip r:embed="rId2"/>
+          <a:stretch>
+            <a:fillRect/>
+          </a:stretch>
+        </p:blipFill>
         <p:spPr>
           <a:xfrm>
-            <a:off x="457201" y="2943497"/>
-            <a:ext cx="8229600" cy="1680754"/>
+            <a:off x="2519765" y="2943225"/>
+            <a:ext cx="4104470" cy="1400175"/>
           </a:xfrm>
-          <a:solidFill>
-            <a:schemeClr val="accent6"/>
-          </a:solidFill>
-          <a:ln>
-            <a:noFill/>
-          </a:ln>
-          <a:extLst>
-            <a:ext uri="{91240B29-F687-4F45-9708-019B960494DF}">
-              <a14:hiddenLine xmlns:a14="http://schemas.microsoft.com/office/drawing/2010/main" w="9525">
-                <a:solidFill>
-                  <a:srgbClr val="000000"/>
-                </a:solidFill>
-                <a:miter lim="800000"/>
-                <a:headEnd/>
-                <a:tailEnd/>
-              </a14:hiddenLine>
-            </a:ext>
-          </a:extLst>
         </p:spPr>
-        <p:txBody>
-          <a:bodyPr vert="horz" wrap="square" lIns="91440" tIns="45720" rIns="91440" bIns="45720" numCol="1" anchor="t" anchorCtr="0" compatLnSpc="1">
-            <a:prstTxWarp prst="textNoShape">
-              <a:avLst/>
-            </a:prstTxWarp>
-          </a:bodyPr>
-          <a:lstStyle/>
-          <a:p>
-            <a:pPr marL="0" indent="0">
-              <a:buNone/>
-            </a:pPr>
-            <a:r>
-              <a:rPr lang="en-US" sz="1400" dirty="0">
-                <a:solidFill>
-                  <a:schemeClr val="bg2"/>
-                </a:solidFill>
-                <a:latin typeface="Courier New" panose="02070309020205020404" pitchFamily="49" charset="0"/>
-                <a:cs typeface="Courier New" panose="02070309020205020404" pitchFamily="49" charset="0"/>
-              </a:rPr>
-              <a:t>#FILE               SEQUENCE  GENE       ACCESSION    RESISTANCE</a:t>
-            </a:r>
-          </a:p>
-          <a:p>
-            <a:pPr marL="0" indent="0">
-              <a:buNone/>
-            </a:pPr>
-            <a:r>
-              <a:rPr lang="en-US" sz="1400" dirty="0">
-                <a:solidFill>
-                  <a:schemeClr val="bg2"/>
-                </a:solidFill>
-                <a:latin typeface="Courier New" panose="02070309020205020404" pitchFamily="49" charset="0"/>
-                <a:cs typeface="Courier New" panose="02070309020205020404" pitchFamily="49" charset="0"/>
-              </a:rPr>
-              <a:t>EC958-HG941718.gbk  HG941718  blaEC-5    NG_049085.1  CEPHALOSPORIN</a:t>
-            </a:r>
-          </a:p>
-          <a:p>
-            <a:pPr marL="0" indent="0">
-              <a:buNone/>
-            </a:pPr>
-            <a:r>
-              <a:rPr lang="en-US" sz="1400" dirty="0">
-                <a:solidFill>
-                  <a:schemeClr val="bg2"/>
-                </a:solidFill>
-                <a:latin typeface="Courier New" panose="02070309020205020404" pitchFamily="49" charset="0"/>
-                <a:cs typeface="Courier New" panose="02070309020205020404" pitchFamily="49" charset="0"/>
-              </a:rPr>
-              <a:t>EC958-HG941718.gbk  HG941718  blaCMY-23  NG_048818.1  CEPHALOSPORIN</a:t>
-            </a:r>
-          </a:p>
-        </p:txBody>
-      </p:sp>
+      </p:pic>
     </p:spTree>
     <p:extLst>
       <p:ext uri="{BB962C8B-B14F-4D97-AF65-F5344CB8AC3E}">
-        <p14:creationId xmlns:p14="http://schemas.microsoft.com/office/powerpoint/2010/main" val="190289445"/>
+        <p14:creationId xmlns:p14="http://schemas.microsoft.com/office/powerpoint/2010/main" val="3133964289"/>
       </p:ext>
     </p:extLst>
   </p:cSld>
@@ -12677,7 +12781,7 @@
             </a:r>
             <a:r>
               <a:rPr lang="en-US" dirty="0" err="1"/>
-              <a:t>resfinder</a:t>
+              <a:t>abricate</a:t>
             </a:r>
             <a:endParaRPr lang="en-US" dirty="0"/>
           </a:p>
@@ -12723,7 +12827,27 @@
                 <a:latin typeface="Courier New" panose="02070309020205020404" pitchFamily="49" charset="0"/>
                 <a:cs typeface="Courier New" panose="02070309020205020404" pitchFamily="49" charset="0"/>
               </a:rPr>
-              <a:t>$ any2fasta EC958-HG941718.gbk &gt; EC958-HG941718.fasta</a:t>
+              <a:t>$ cd ESCMID-MGE-2022/</a:t>
+            </a:r>
+            <a:r>
+              <a:rPr lang="en-US" sz="1400" dirty="0" err="1">
+                <a:solidFill>
+                  <a:schemeClr val="bg2"/>
+                </a:solidFill>
+                <a:latin typeface="Courier New" panose="02070309020205020404" pitchFamily="49" charset="0"/>
+                <a:cs typeface="Courier New" panose="02070309020205020404" pitchFamily="49" charset="0"/>
+              </a:rPr>
+              <a:t>ori</a:t>
+            </a:r>
+            <a:r>
+              <a:rPr lang="en-US" sz="1400" dirty="0">
+                <a:solidFill>
+                  <a:schemeClr val="bg2"/>
+                </a:solidFill>
+                <a:latin typeface="Courier New" panose="02070309020205020404" pitchFamily="49" charset="0"/>
+                <a:cs typeface="Courier New" panose="02070309020205020404" pitchFamily="49" charset="0"/>
+              </a:rPr>
+              <a:t> </a:t>
             </a:r>
           </a:p>
           <a:p>
@@ -12748,7 +12872,7 @@
                 <a:latin typeface="Courier New" panose="02070309020205020404" pitchFamily="49" charset="0"/>
                 <a:cs typeface="Courier New" panose="02070309020205020404" pitchFamily="49" charset="0"/>
               </a:rPr>
-              <a:t>mkdir</a:t>
+              <a:t>abricate</a:t>
             </a:r>
             <a:r>
               <a:rPr lang="en-US" sz="1400" dirty="0">
@@ -12758,7 +12882,7 @@
                 <a:latin typeface="Courier New" panose="02070309020205020404" pitchFamily="49" charset="0"/>
                 <a:cs typeface="Courier New" panose="02070309020205020404" pitchFamily="49" charset="0"/>
               </a:rPr>
-              <a:t> EC958-HG941718.gbk.resfinder</a:t>
+              <a:t> EC958-HG941718.gbk &gt; EC958-HG941718.gbk.abricate.tsv</a:t>
             </a:r>
           </a:p>
           <a:p>
@@ -12773,7 +12897,7 @@
                 <a:latin typeface="Courier New" panose="02070309020205020404" pitchFamily="49" charset="0"/>
                 <a:cs typeface="Courier New" panose="02070309020205020404" pitchFamily="49" charset="0"/>
               </a:rPr>
-              <a:t>$ </a:t>
+              <a:t>$ cut -f 1,2,6,13,15 EC958-HG941718.gbk.abricate.tsv | column -</a:t>
             </a:r>
             <a:r>
               <a:rPr lang="en-US" sz="1400" dirty="0" err="1">
@@ -12783,7 +12907,7 @@
                 <a:latin typeface="Courier New" panose="02070309020205020404" pitchFamily="49" charset="0"/>
                 <a:cs typeface="Courier New" panose="02070309020205020404" pitchFamily="49" charset="0"/>
               </a:rPr>
-              <a:t>resfinder_db</a:t>
+              <a:t>ts</a:t>
             </a:r>
             <a:r>
               <a:rPr lang="en-US" sz="1400" dirty="0">
@@ -12793,18 +12917,28 @@
                 <a:latin typeface="Courier New" panose="02070309020205020404" pitchFamily="49" charset="0"/>
                 <a:cs typeface="Courier New" panose="02070309020205020404" pitchFamily="49" charset="0"/>
               </a:rPr>
-              <a:t>=/apps/x86_64/</a:t>
-            </a:r>
-            <a:r>
-              <a:rPr lang="en-US" sz="1400" dirty="0" err="1">
+              <a:t> $'\t’</a:t>
+            </a:r>
+          </a:p>
+          <a:p>
+            <a:pPr marL="0" indent="0">
+              <a:buNone/>
+            </a:pPr>
+            <a:r>
+              <a:rPr lang="en-US" sz="1400" dirty="0">
                 <a:solidFill>
                   <a:schemeClr val="bg2"/>
                 </a:solidFill>
                 <a:latin typeface="Courier New" panose="02070309020205020404" pitchFamily="49" charset="0"/>
                 <a:cs typeface="Courier New" panose="02070309020205020404" pitchFamily="49" charset="0"/>
               </a:rPr>
-              <a:t>ResFinder</a:t>
-            </a:r>
+              <a:t># Make a BED file for later</a:t>
+            </a:r>
+          </a:p>
+          <a:p>
+            <a:pPr marL="0" indent="0">
+              <a:buNone/>
+            </a:pPr>
             <a:r>
               <a:rPr lang="en-US" sz="1400" dirty="0">
                 <a:solidFill>
@@ -12813,7 +12947,7 @@
                 <a:latin typeface="Courier New" panose="02070309020205020404" pitchFamily="49" charset="0"/>
                 <a:cs typeface="Courier New" panose="02070309020205020404" pitchFamily="49" charset="0"/>
               </a:rPr>
-              <a:t>/4.0/</a:t>
+              <a:t>$ cut -f 2-4,15 EC958-HG941718.gbk.abricate.tsv | tail -n +2 &gt; </a:t>
             </a:r>
             <a:r>
               <a:rPr lang="en-US" sz="1400" dirty="0" err="1">
@@ -12823,79 +12957,7 @@
                 <a:latin typeface="Courier New" panose="02070309020205020404" pitchFamily="49" charset="0"/>
                 <a:cs typeface="Courier New" panose="02070309020205020404" pitchFamily="49" charset="0"/>
               </a:rPr>
-              <a:t>resfinder</a:t>
-            </a:r>
-            <a:r>
-              <a:rPr lang="en-US" sz="1400" dirty="0">
-                <a:solidFill>
-                  <a:schemeClr val="bg2"/>
-                </a:solidFill>
-                <a:latin typeface="Courier New" panose="02070309020205020404" pitchFamily="49" charset="0"/>
-                <a:cs typeface="Courier New" panose="02070309020205020404" pitchFamily="49" charset="0"/>
-              </a:rPr>
-              <a:t>/</a:t>
-            </a:r>
-            <a:r>
-              <a:rPr lang="en-US" sz="1400" dirty="0" err="1">
-                <a:solidFill>
-                  <a:schemeClr val="bg2"/>
-                </a:solidFill>
-                <a:latin typeface="Courier New" panose="02070309020205020404" pitchFamily="49" charset="0"/>
-                <a:cs typeface="Courier New" panose="02070309020205020404" pitchFamily="49" charset="0"/>
-              </a:rPr>
-              <a:t>resfinder_db</a:t>
-            </a:r>
-            <a:endParaRPr lang="en-US" sz="1400" dirty="0">
-              <a:solidFill>
-                <a:schemeClr val="bg2"/>
-              </a:solidFill>
-              <a:latin typeface="Courier New" panose="02070309020205020404" pitchFamily="49" charset="0"/>
-              <a:cs typeface="Courier New" panose="02070309020205020404" pitchFamily="49" charset="0"/>
-            </a:endParaRPr>
-          </a:p>
-          <a:p>
-            <a:pPr marL="0" indent="0">
-              <a:buNone/>
-            </a:pPr>
-            <a:r>
-              <a:rPr lang="en-US" sz="1400" dirty="0">
-                <a:solidFill>
-                  <a:schemeClr val="bg2"/>
-                </a:solidFill>
-                <a:latin typeface="Courier New" panose="02070309020205020404" pitchFamily="49" charset="0"/>
-                <a:cs typeface="Courier New" panose="02070309020205020404" pitchFamily="49" charset="0"/>
-              </a:rPr>
-              <a:t>$ resfinder.py -i EC958-HG941718.fasta -o EC958-HG941718.gbk.resfinder -p $</a:t>
-            </a:r>
-            <a:r>
-              <a:rPr lang="en-US" sz="1400" dirty="0" err="1">
-                <a:solidFill>
-                  <a:schemeClr val="bg2"/>
-                </a:solidFill>
-                <a:latin typeface="Courier New" panose="02070309020205020404" pitchFamily="49" charset="0"/>
-                <a:cs typeface="Courier New" panose="02070309020205020404" pitchFamily="49" charset="0"/>
-              </a:rPr>
-              <a:t>resfinder_db</a:t>
-            </a:r>
-            <a:r>
-              <a:rPr lang="en-US" sz="1400" dirty="0">
-                <a:solidFill>
-                  <a:schemeClr val="bg2"/>
-                </a:solidFill>
-                <a:latin typeface="Courier New" panose="02070309020205020404" pitchFamily="49" charset="0"/>
-                <a:cs typeface="Courier New" panose="02070309020205020404" pitchFamily="49" charset="0"/>
-              </a:rPr>
-              <a:t> --</a:t>
-            </a:r>
-            <a:r>
-              <a:rPr lang="en-US" sz="1400" dirty="0" err="1">
-                <a:solidFill>
-                  <a:schemeClr val="bg2"/>
-                </a:solidFill>
-                <a:latin typeface="Courier New" panose="02070309020205020404" pitchFamily="49" charset="0"/>
-                <a:cs typeface="Courier New" panose="02070309020205020404" pitchFamily="49" charset="0"/>
-              </a:rPr>
-              <a:t>extented_output</a:t>
+              <a:t>abricate.bed</a:t>
             </a:r>
             <a:endParaRPr lang="en-US" sz="1400" dirty="0">
               <a:solidFill>
@@ -12928,18 +12990,13 @@
             <a:off x="457201" y="2943497"/>
             <a:ext cx="8229600" cy="1680754"/>
           </a:xfrm>
-          <a:noFill/>
+          <a:solidFill>
+            <a:schemeClr val="accent6"/>
+          </a:solidFill>
           <a:ln>
             <a:noFill/>
           </a:ln>
           <a:extLst>
-            <a:ext uri="{909E8E84-426E-40DD-AFC4-6F175D3DCCD1}">
-              <a14:hiddenFill xmlns:a14="http://schemas.microsoft.com/office/drawing/2010/main">
-                <a:solidFill>
-                  <a:srgbClr val="FFFFFF"/>
-                </a:solidFill>
-              </a14:hiddenFill>
-            </a:ext>
             <a:ext uri="{91240B29-F687-4F45-9708-019B960494DF}">
               <a14:hiddenLine xmlns:a14="http://schemas.microsoft.com/office/drawing/2010/main" w="9525">
                 <a:solidFill>
@@ -12960,35 +13017,48 @@
           </a:bodyPr>
           <a:lstStyle/>
           <a:p>
-            <a:r>
-              <a:rPr lang="en-US" dirty="0"/>
-              <a:t>-i input fasta</a:t>
-            </a:r>
-          </a:p>
-          <a:p>
-            <a:r>
-              <a:rPr lang="en-US" dirty="0"/>
-              <a:t>-o output folder</a:t>
-            </a:r>
-          </a:p>
-          <a:p>
-            <a:r>
-              <a:rPr lang="en-US" dirty="0"/>
-              <a:t>-p databases folder</a:t>
-            </a:r>
-          </a:p>
-          <a:p>
-            <a:r>
-              <a:rPr lang="en-US" dirty="0"/>
-              <a:t>--</a:t>
-            </a:r>
-            <a:r>
-              <a:rPr lang="en-US" dirty="0" err="1"/>
-              <a:t>extented_output</a:t>
-            </a:r>
-            <a:r>
-              <a:rPr lang="en-US" dirty="0"/>
-              <a:t> </a:t>
+            <a:pPr marL="0" indent="0">
+              <a:buNone/>
+            </a:pPr>
+            <a:r>
+              <a:rPr lang="en-US" sz="1400" dirty="0">
+                <a:solidFill>
+                  <a:schemeClr val="bg2"/>
+                </a:solidFill>
+                <a:latin typeface="Courier New" panose="02070309020205020404" pitchFamily="49" charset="0"/>
+                <a:cs typeface="Courier New" panose="02070309020205020404" pitchFamily="49" charset="0"/>
+              </a:rPr>
+              <a:t>#FILE               SEQUENCE  GENE       ACCESSION    RESISTANCE</a:t>
+            </a:r>
+          </a:p>
+          <a:p>
+            <a:pPr marL="0" indent="0">
+              <a:buNone/>
+            </a:pPr>
+            <a:r>
+              <a:rPr lang="en-US" sz="1400" dirty="0">
+                <a:solidFill>
+                  <a:schemeClr val="bg2"/>
+                </a:solidFill>
+                <a:latin typeface="Courier New" panose="02070309020205020404" pitchFamily="49" charset="0"/>
+                <a:cs typeface="Courier New" panose="02070309020205020404" pitchFamily="49" charset="0"/>
+              </a:rPr>
+              <a:t>EC958-HG941718.gbk  HG941718  blaEC-5    NG_049085.1  CEPHALOSPORIN</a:t>
+            </a:r>
+          </a:p>
+          <a:p>
+            <a:pPr marL="0" indent="0">
+              <a:buNone/>
+            </a:pPr>
+            <a:r>
+              <a:rPr lang="en-US" sz="1400" dirty="0">
+                <a:solidFill>
+                  <a:schemeClr val="bg2"/>
+                </a:solidFill>
+                <a:latin typeface="Courier New" panose="02070309020205020404" pitchFamily="49" charset="0"/>
+                <a:cs typeface="Courier New" panose="02070309020205020404" pitchFamily="49" charset="0"/>
+              </a:rPr>
+              <a:t>EC958-HG941718.gbk  HG941718  blaCMY-23  NG_048818.1  CEPHALOSPORIN</a:t>
             </a:r>
           </a:p>
         </p:txBody>
@@ -12996,7 +13066,7 @@
     </p:spTree>
     <p:extLst>
       <p:ext uri="{BB962C8B-B14F-4D97-AF65-F5344CB8AC3E}">
-        <p14:creationId xmlns:p14="http://schemas.microsoft.com/office/powerpoint/2010/main" val="4210625614"/>
+        <p14:creationId xmlns:p14="http://schemas.microsoft.com/office/powerpoint/2010/main" val="190289445"/>
       </p:ext>
     </p:extLst>
   </p:cSld>
@@ -13075,7 +13145,7 @@
         <p:spPr>
           <a:xfrm>
             <a:off x="457200" y="1200152"/>
-            <a:ext cx="8229600" cy="2381248"/>
+            <a:ext cx="8229600" cy="1499506"/>
           </a:xfrm>
           <a:solidFill>
             <a:schemeClr val="accent6"/>
@@ -13096,38 +13166,48 @@
                 <a:latin typeface="Courier New" panose="02070309020205020404" pitchFamily="49" charset="0"/>
                 <a:cs typeface="Courier New" panose="02070309020205020404" pitchFamily="49" charset="0"/>
               </a:rPr>
-              <a:t>$ cut -f 1,2,7,8 EC958-HG941718.gbk.resfinder/</a:t>
-            </a:r>
-            <a:r>
-              <a:rPr lang="en-US" sz="1400" dirty="0" err="1">
+              <a:t>$ any2fasta EC958-HG941718.gbk &gt; EC958-HG941718.fasta</a:t>
+            </a:r>
+          </a:p>
+          <a:p>
+            <a:pPr marL="0" indent="0">
+              <a:buNone/>
+            </a:pPr>
+            <a:r>
+              <a:rPr lang="en-US" sz="1400" dirty="0">
                 <a:solidFill>
                   <a:schemeClr val="bg2"/>
                 </a:solidFill>
                 <a:latin typeface="Courier New" panose="02070309020205020404" pitchFamily="49" charset="0"/>
                 <a:cs typeface="Courier New" panose="02070309020205020404" pitchFamily="49" charset="0"/>
               </a:rPr>
-              <a:t>results_tab.tsv</a:t>
-            </a:r>
-            <a:r>
-              <a:rPr lang="en-US" sz="1400" dirty="0">
+              <a:t>$ </a:t>
+            </a:r>
+            <a:r>
+              <a:rPr lang="en-US" sz="1400" dirty="0" err="1">
                 <a:solidFill>
                   <a:schemeClr val="bg2"/>
                 </a:solidFill>
                 <a:latin typeface="Courier New" panose="02070309020205020404" pitchFamily="49" charset="0"/>
                 <a:cs typeface="Courier New" panose="02070309020205020404" pitchFamily="49" charset="0"/>
               </a:rPr>
-              <a:t> | column -</a:t>
-            </a:r>
-            <a:r>
-              <a:rPr lang="en-US" sz="1400" dirty="0" err="1">
+              <a:t>mkdir</a:t>
+            </a:r>
+            <a:r>
+              <a:rPr lang="en-US" sz="1400" dirty="0">
                 <a:solidFill>
                   <a:schemeClr val="bg2"/>
                 </a:solidFill>
                 <a:latin typeface="Courier New" panose="02070309020205020404" pitchFamily="49" charset="0"/>
                 <a:cs typeface="Courier New" panose="02070309020205020404" pitchFamily="49" charset="0"/>
               </a:rPr>
-              <a:t>ts</a:t>
-            </a:r>
+              <a:t> EC958-HG941718.gbk.resfinder</a:t>
+            </a:r>
+          </a:p>
+          <a:p>
+            <a:pPr marL="0" indent="0">
+              <a:buNone/>
+            </a:pPr>
             <a:r>
               <a:rPr lang="en-US" sz="1400" dirty="0">
                 <a:solidFill>
@@ -13136,8 +13216,85 @@
                 <a:latin typeface="Courier New" panose="02070309020205020404" pitchFamily="49" charset="0"/>
                 <a:cs typeface="Courier New" panose="02070309020205020404" pitchFamily="49" charset="0"/>
               </a:rPr>
-              <a:t> $'\t’</a:t>
-            </a:r>
+              <a:t>$ </a:t>
+            </a:r>
+            <a:r>
+              <a:rPr lang="en-US" sz="1400" dirty="0" err="1">
+                <a:solidFill>
+                  <a:schemeClr val="bg2"/>
+                </a:solidFill>
+                <a:latin typeface="Courier New" panose="02070309020205020404" pitchFamily="49" charset="0"/>
+                <a:cs typeface="Courier New" panose="02070309020205020404" pitchFamily="49" charset="0"/>
+              </a:rPr>
+              <a:t>resfinder_db</a:t>
+            </a:r>
+            <a:r>
+              <a:rPr lang="en-US" sz="1400" dirty="0">
+                <a:solidFill>
+                  <a:schemeClr val="bg2"/>
+                </a:solidFill>
+                <a:latin typeface="Courier New" panose="02070309020205020404" pitchFamily="49" charset="0"/>
+                <a:cs typeface="Courier New" panose="02070309020205020404" pitchFamily="49" charset="0"/>
+              </a:rPr>
+              <a:t>=/apps/x86_64/</a:t>
+            </a:r>
+            <a:r>
+              <a:rPr lang="en-US" sz="1400" dirty="0" err="1">
+                <a:solidFill>
+                  <a:schemeClr val="bg2"/>
+                </a:solidFill>
+                <a:latin typeface="Courier New" panose="02070309020205020404" pitchFamily="49" charset="0"/>
+                <a:cs typeface="Courier New" panose="02070309020205020404" pitchFamily="49" charset="0"/>
+              </a:rPr>
+              <a:t>ResFinder</a:t>
+            </a:r>
+            <a:r>
+              <a:rPr lang="en-US" sz="1400" dirty="0">
+                <a:solidFill>
+                  <a:schemeClr val="bg2"/>
+                </a:solidFill>
+                <a:latin typeface="Courier New" panose="02070309020205020404" pitchFamily="49" charset="0"/>
+                <a:cs typeface="Courier New" panose="02070309020205020404" pitchFamily="49" charset="0"/>
+              </a:rPr>
+              <a:t>/4.0/</a:t>
+            </a:r>
+            <a:r>
+              <a:rPr lang="en-US" sz="1400" dirty="0" err="1">
+                <a:solidFill>
+                  <a:schemeClr val="bg2"/>
+                </a:solidFill>
+                <a:latin typeface="Courier New" panose="02070309020205020404" pitchFamily="49" charset="0"/>
+                <a:cs typeface="Courier New" panose="02070309020205020404" pitchFamily="49" charset="0"/>
+              </a:rPr>
+              <a:t>resfinder</a:t>
+            </a:r>
+            <a:r>
+              <a:rPr lang="en-US" sz="1400" dirty="0">
+                <a:solidFill>
+                  <a:schemeClr val="bg2"/>
+                </a:solidFill>
+                <a:latin typeface="Courier New" panose="02070309020205020404" pitchFamily="49" charset="0"/>
+                <a:cs typeface="Courier New" panose="02070309020205020404" pitchFamily="49" charset="0"/>
+              </a:rPr>
+              <a:t>/</a:t>
+            </a:r>
+            <a:r>
+              <a:rPr lang="en-US" sz="1400" dirty="0" err="1">
+                <a:solidFill>
+                  <a:schemeClr val="bg2"/>
+                </a:solidFill>
+                <a:latin typeface="Courier New" panose="02070309020205020404" pitchFamily="49" charset="0"/>
+                <a:cs typeface="Courier New" panose="02070309020205020404" pitchFamily="49" charset="0"/>
+              </a:rPr>
+              <a:t>resfinder_db</a:t>
+            </a:r>
+            <a:endParaRPr lang="en-US" sz="1400" dirty="0">
+              <a:solidFill>
+                <a:schemeClr val="bg2"/>
+              </a:solidFill>
+              <a:latin typeface="Courier New" panose="02070309020205020404" pitchFamily="49" charset="0"/>
+              <a:cs typeface="Courier New" panose="02070309020205020404" pitchFamily="49" charset="0"/>
+            </a:endParaRPr>
           </a:p>
           <a:p>
             <a:pPr marL="0" indent="0">
@@ -13151,172 +13308,37 @@
                 <a:latin typeface="Courier New" panose="02070309020205020404" pitchFamily="49" charset="0"/>
                 <a:cs typeface="Courier New" panose="02070309020205020404" pitchFamily="49" charset="0"/>
               </a:rPr>
-              <a:t># Make a BED file for later</a:t>
-            </a:r>
-          </a:p>
-          <a:p>
-            <a:pPr marL="0" indent="0">
-              <a:buNone/>
-            </a:pPr>
-            <a:r>
-              <a:rPr lang="en-US" sz="1400" dirty="0">
+              <a:t>$ resfinder.py -i EC958-HG941718.fasta -o EC958-HG941718.gbk.resfinder -p $</a:t>
+            </a:r>
+            <a:r>
+              <a:rPr lang="en-US" sz="1400" dirty="0" err="1">
                 <a:solidFill>
                   <a:schemeClr val="bg2"/>
                 </a:solidFill>
                 <a:latin typeface="Courier New" panose="02070309020205020404" pitchFamily="49" charset="0"/>
                 <a:cs typeface="Courier New" panose="02070309020205020404" pitchFamily="49" charset="0"/>
               </a:rPr>
-              <a:t>$ cat EC958-HG941718.gbk.resfinder/</a:t>
-            </a:r>
-            <a:r>
-              <a:rPr lang="en-US" sz="1400" dirty="0" err="1">
+              <a:t>resfinder_db</a:t>
+            </a:r>
+            <a:r>
+              <a:rPr lang="en-US" sz="1400" dirty="0">
                 <a:solidFill>
                   <a:schemeClr val="bg2"/>
                 </a:solidFill>
                 <a:latin typeface="Courier New" panose="02070309020205020404" pitchFamily="49" charset="0"/>
                 <a:cs typeface="Courier New" panose="02070309020205020404" pitchFamily="49" charset="0"/>
               </a:rPr>
-              <a:t>results_tab.tsv</a:t>
-            </a:r>
-            <a:r>
-              <a:rPr lang="en-US" sz="1400" dirty="0">
+              <a:t> --</a:t>
+            </a:r>
+            <a:r>
+              <a:rPr lang="en-US" sz="1400" dirty="0" err="1">
                 <a:solidFill>
                   <a:schemeClr val="bg2"/>
                 </a:solidFill>
                 <a:latin typeface="Courier New" panose="02070309020205020404" pitchFamily="49" charset="0"/>
                 <a:cs typeface="Courier New" panose="02070309020205020404" pitchFamily="49" charset="0"/>
               </a:rPr>
-              <a:t> | tail -n +2 | \</a:t>
-            </a:r>
-          </a:p>
-          <a:p>
-            <a:pPr marL="0" indent="0">
-              <a:buNone/>
-            </a:pPr>
-            <a:r>
-              <a:rPr lang="en-US" sz="1400" dirty="0">
-                <a:solidFill>
-                  <a:schemeClr val="bg2"/>
-                </a:solidFill>
-                <a:latin typeface="Courier New" panose="02070309020205020404" pitchFamily="49" charset="0"/>
-                <a:cs typeface="Courier New" panose="02070309020205020404" pitchFamily="49" charset="0"/>
-              </a:rPr>
-              <a:t>  </a:t>
-            </a:r>
-            <a:r>
-              <a:rPr lang="en-US" sz="1400" dirty="0" err="1">
-                <a:solidFill>
-                  <a:schemeClr val="bg2"/>
-                </a:solidFill>
-                <a:latin typeface="Courier New" panose="02070309020205020404" pitchFamily="49" charset="0"/>
-                <a:cs typeface="Courier New" panose="02070309020205020404" pitchFamily="49" charset="0"/>
-              </a:rPr>
-              <a:t>perl</a:t>
-            </a:r>
-            <a:r>
-              <a:rPr lang="en-US" sz="1400" dirty="0">
-                <a:solidFill>
-                  <a:schemeClr val="bg2"/>
-                </a:solidFill>
-                <a:latin typeface="Courier New" panose="02070309020205020404" pitchFamily="49" charset="0"/>
-                <a:cs typeface="Courier New" panose="02070309020205020404" pitchFamily="49" charset="0"/>
-              </a:rPr>
-              <a:t> -F'\t' -lane ‘</a:t>
-            </a:r>
-          </a:p>
-          <a:p>
-            <a:pPr marL="0" indent="0">
-              <a:buNone/>
-            </a:pPr>
-            <a:r>
-              <a:rPr lang="en-US" sz="1400" dirty="0">
-                <a:solidFill>
-                  <a:schemeClr val="bg2"/>
-                </a:solidFill>
-                <a:latin typeface="Courier New" panose="02070309020205020404" pitchFamily="49" charset="0"/>
-                <a:cs typeface="Courier New" panose="02070309020205020404" pitchFamily="49" charset="0"/>
-              </a:rPr>
-              <a:t>    ($</a:t>
-            </a:r>
-            <a:r>
-              <a:rPr lang="en-US" sz="1400" dirty="0" err="1">
-                <a:solidFill>
-                  <a:schemeClr val="bg2"/>
-                </a:solidFill>
-                <a:latin typeface="Courier New" panose="02070309020205020404" pitchFamily="49" charset="0"/>
-                <a:cs typeface="Courier New" panose="02070309020205020404" pitchFamily="49" charset="0"/>
-              </a:rPr>
-              <a:t>start,$stop</a:t>
-            </a:r>
-            <a:r>
-              <a:rPr lang="en-US" sz="1400" dirty="0">
-                <a:solidFill>
-                  <a:schemeClr val="bg2"/>
-                </a:solidFill>
-                <a:latin typeface="Courier New" panose="02070309020205020404" pitchFamily="49" charset="0"/>
-                <a:cs typeface="Courier New" panose="02070309020205020404" pitchFamily="49" charset="0"/>
-              </a:rPr>
-              <a:t>)=split(/\.{2}/, $F[5]); </a:t>
-            </a:r>
-          </a:p>
-          <a:p>
-            <a:pPr marL="0" indent="0">
-              <a:buNone/>
-            </a:pPr>
-            <a:r>
-              <a:rPr lang="en-US" sz="1400" dirty="0">
-                <a:solidFill>
-                  <a:schemeClr val="bg2"/>
-                </a:solidFill>
-                <a:latin typeface="Courier New" panose="02070309020205020404" pitchFamily="49" charset="0"/>
-                <a:cs typeface="Courier New" panose="02070309020205020404" pitchFamily="49" charset="0"/>
-              </a:rPr>
-              <a:t>    print join("\</a:t>
-            </a:r>
-            <a:r>
-              <a:rPr lang="en-US" sz="1400" dirty="0" err="1">
-                <a:solidFill>
-                  <a:schemeClr val="bg2"/>
-                </a:solidFill>
-                <a:latin typeface="Courier New" panose="02070309020205020404" pitchFamily="49" charset="0"/>
-                <a:cs typeface="Courier New" panose="02070309020205020404" pitchFamily="49" charset="0"/>
-              </a:rPr>
-              <a:t>t",$F</a:t>
-            </a:r>
-            <a:r>
-              <a:rPr lang="en-US" sz="1400" dirty="0">
-                <a:solidFill>
-                  <a:schemeClr val="bg2"/>
-                </a:solidFill>
-                <a:latin typeface="Courier New" panose="02070309020205020404" pitchFamily="49" charset="0"/>
-                <a:cs typeface="Courier New" panose="02070309020205020404" pitchFamily="49" charset="0"/>
-              </a:rPr>
-              <a:t>[4], $start, $stop, $F[6]);</a:t>
-            </a:r>
-          </a:p>
-          <a:p>
-            <a:pPr marL="0" indent="0">
-              <a:buNone/>
-            </a:pPr>
-            <a:r>
-              <a:rPr lang="en-US" sz="1400" dirty="0">
-                <a:solidFill>
-                  <a:schemeClr val="bg2"/>
-                </a:solidFill>
-                <a:latin typeface="Courier New" panose="02070309020205020404" pitchFamily="49" charset="0"/>
-                <a:cs typeface="Courier New" panose="02070309020205020404" pitchFamily="49" charset="0"/>
-              </a:rPr>
-              <a:t>  ' &gt; </a:t>
-            </a:r>
-            <a:r>
-              <a:rPr lang="en-US" sz="1400" dirty="0" err="1">
-                <a:solidFill>
-                  <a:schemeClr val="bg2"/>
-                </a:solidFill>
-                <a:latin typeface="Courier New" panose="02070309020205020404" pitchFamily="49" charset="0"/>
-                <a:cs typeface="Courier New" panose="02070309020205020404" pitchFamily="49" charset="0"/>
-              </a:rPr>
-              <a:t>resfinder.bed</a:t>
+              <a:t>extented_output</a:t>
             </a:r>
             <a:endParaRPr lang="en-US" sz="1400" dirty="0">
               <a:solidFill>
@@ -13358,16 +13380,21 @@
         </p:nvSpPr>
         <p:spPr>
           <a:xfrm>
-            <a:off x="457201" y="3767001"/>
-            <a:ext cx="8229600" cy="857250"/>
+            <a:off x="457201" y="2943497"/>
+            <a:ext cx="8229600" cy="1680754"/>
           </a:xfrm>
-          <a:solidFill>
-            <a:schemeClr val="accent6"/>
-          </a:solidFill>
+          <a:noFill/>
           <a:ln>
             <a:noFill/>
           </a:ln>
           <a:extLst>
+            <a:ext uri="{909E8E84-426E-40DD-AFC4-6F175D3DCCD1}">
+              <a14:hiddenFill xmlns:a14="http://schemas.microsoft.com/office/drawing/2010/main">
+                <a:solidFill>
+                  <a:srgbClr val="FFFFFF"/>
+                </a:solidFill>
+              </a14:hiddenFill>
+            </a:ext>
             <a:ext uri="{91240B29-F687-4F45-9708-019B960494DF}">
               <a14:hiddenLine xmlns:a14="http://schemas.microsoft.com/office/drawing/2010/main" w="9525">
                 <a:solidFill>
@@ -13388,108 +13415,41 @@
           </a:bodyPr>
           <a:lstStyle/>
           <a:p>
-            <a:pPr marL="0" indent="0">
-              <a:buNone/>
-            </a:pPr>
-            <a:r>
-              <a:rPr lang="en-US" sz="900" dirty="0">
-                <a:solidFill>
-                  <a:schemeClr val="bg2"/>
-                </a:solidFill>
-                <a:latin typeface="Courier New" panose="02070309020205020404" pitchFamily="49" charset="0"/>
-                <a:cs typeface="Courier New" panose="02070309020205020404" pitchFamily="49" charset="0"/>
-              </a:rPr>
-              <a:t>Database     Resistance gene  Predicted phenotype                        Accession number</a:t>
-            </a:r>
-          </a:p>
-          <a:p>
-            <a:pPr marL="0" indent="0">
-              <a:buNone/>
-            </a:pPr>
-            <a:r>
-              <a:rPr lang="en-US" sz="900" dirty="0">
-                <a:solidFill>
-                  <a:schemeClr val="bg2"/>
-                </a:solidFill>
-                <a:latin typeface="Courier New" panose="02070309020205020404" pitchFamily="49" charset="0"/>
-                <a:cs typeface="Courier New" panose="02070309020205020404" pitchFamily="49" charset="0"/>
-              </a:rPr>
-              <a:t>beta-lactam  blaCMY-23        Beta-lactam resistance                     DQ438952</a:t>
-            </a:r>
-          </a:p>
-          <a:p>
-            <a:pPr marL="0" indent="0">
-              <a:buNone/>
-            </a:pPr>
-            <a:r>
-              <a:rPr lang="en-US" sz="900" dirty="0">
-                <a:solidFill>
-                  <a:schemeClr val="bg2"/>
-                </a:solidFill>
-                <a:latin typeface="Courier New" panose="02070309020205020404" pitchFamily="49" charset="0"/>
-                <a:cs typeface="Courier New" panose="02070309020205020404" pitchFamily="49" charset="0"/>
-              </a:rPr>
-              <a:t>macrolide    </a:t>
-            </a:r>
-            <a:r>
-              <a:rPr lang="en-US" sz="900" dirty="0" err="1">
-                <a:solidFill>
-                  <a:schemeClr val="bg2"/>
-                </a:solidFill>
-                <a:latin typeface="Courier New" panose="02070309020205020404" pitchFamily="49" charset="0"/>
-                <a:cs typeface="Courier New" panose="02070309020205020404" pitchFamily="49" charset="0"/>
-              </a:rPr>
-              <a:t>mdf</a:t>
-            </a:r>
-            <a:r>
-              <a:rPr lang="en-US" sz="900" dirty="0">
-                <a:solidFill>
-                  <a:schemeClr val="bg2"/>
-                </a:solidFill>
-                <a:latin typeface="Courier New" panose="02070309020205020404" pitchFamily="49" charset="0"/>
-                <a:cs typeface="Courier New" panose="02070309020205020404" pitchFamily="49" charset="0"/>
-              </a:rPr>
-              <a:t>(A)           Warning: gene is missing from Notes file.  Y08743</a:t>
-            </a:r>
-          </a:p>
-        </p:txBody>
-      </p:sp>
-      <p:sp>
-        <p:nvSpPr>
-          <p:cNvPr id="2" name="TextBox 1">
-            <a:extLst>
-              <a:ext uri="{FF2B5EF4-FFF2-40B4-BE49-F238E27FC236}">
-                <a16:creationId xmlns:a16="http://schemas.microsoft.com/office/drawing/2014/main" id="{19C5CA03-2AC7-4278-BCFB-55A33ACA3DBA}"/>
-              </a:ext>
-            </a:extLst>
-          </p:cNvPr>
-          <p:cNvSpPr txBox="1"/>
-          <p:nvPr/>
-        </p:nvSpPr>
-        <p:spPr>
-          <a:xfrm>
-            <a:off x="0" y="2142066"/>
-            <a:ext cx="457200" cy="369332"/>
-          </a:xfrm>
-          <a:prstGeom prst="rect">
-            <a:avLst/>
-          </a:prstGeom>
-          <a:noFill/>
-        </p:spPr>
-        <p:txBody>
-          <a:bodyPr wrap="square" rtlCol="0">
-            <a:spAutoFit/>
-          </a:bodyPr>
-          <a:lstStyle/>
-          <a:p>
-            <a:r>
-              <a:rPr lang="en-US" dirty="0">
-                <a:solidFill>
-                  <a:srgbClr val="000000"/>
-                </a:solidFill>
-                <a:latin typeface="Calibri" panose="020F0502020204030204" pitchFamily="34" charset="0"/>
-              </a:rPr>
-              <a:t>🐪</a:t>
+            <a:r>
+              <a:rPr lang="en-US" dirty="0"/>
+              <a:t>-i input fasta</a:t>
+            </a:r>
+          </a:p>
+          <a:p>
+            <a:r>
+              <a:rPr lang="en-US" dirty="0"/>
+              <a:t>-o output folder</a:t>
+            </a:r>
+          </a:p>
+          <a:p>
+            <a:r>
+              <a:rPr lang="en-US" dirty="0"/>
+              <a:t>-p databases folder</a:t>
+            </a:r>
+          </a:p>
+          <a:p>
+            <a:r>
+              <a:rPr lang="en-US" dirty="0"/>
+              <a:t>--</a:t>
+            </a:r>
+            <a:r>
+              <a:rPr lang="en-US" dirty="0" err="1"/>
+              <a:t>extented_output</a:t>
+            </a:r>
+            <a:r>
+              <a:rPr lang="en-US" dirty="0"/>
+              <a:t> </a:t>
+            </a:r>
+          </a:p>
+          <a:p>
+            <a:r>
+              <a:rPr lang="en-US" dirty="0"/>
+              <a:t>=&gt; creates GFF file</a:t>
             </a:r>
           </a:p>
         </p:txBody>
@@ -13497,7 +13457,7 @@
     </p:spTree>
     <p:extLst>
       <p:ext uri="{BB962C8B-B14F-4D97-AF65-F5344CB8AC3E}">
-        <p14:creationId xmlns:p14="http://schemas.microsoft.com/office/powerpoint/2010/main" val="1630116163"/>
+        <p14:creationId xmlns:p14="http://schemas.microsoft.com/office/powerpoint/2010/main" val="4210625614"/>
       </p:ext>
     </p:extLst>
   </p:cSld>
@@ -13551,7 +13511,7 @@
             </a:r>
             <a:r>
               <a:rPr lang="en-US" dirty="0" err="1"/>
-              <a:t>ISEScan</a:t>
+              <a:t>resfinder</a:t>
             </a:r>
             <a:endParaRPr lang="en-US" dirty="0"/>
           </a:p>
@@ -13576,7 +13536,7 @@
         <p:spPr>
           <a:xfrm>
             <a:off x="457200" y="1200152"/>
-            <a:ext cx="8229600" cy="1499506"/>
+            <a:ext cx="8229600" cy="2381248"/>
           </a:xfrm>
           <a:solidFill>
             <a:schemeClr val="accent6"/>
@@ -13597,7 +13557,7 @@
                 <a:latin typeface="Courier New" panose="02070309020205020404" pitchFamily="49" charset="0"/>
                 <a:cs typeface="Courier New" panose="02070309020205020404" pitchFamily="49" charset="0"/>
               </a:rPr>
-              <a:t>$ isescan.py --</a:t>
+              <a:t>$ cut -f 1,2,7,8 EC958-HG941718.gbk.resfinder/</a:t>
             </a:r>
             <a:r>
               <a:rPr lang="en-US" sz="1400" dirty="0" err="1">
@@ -13607,7 +13567,7 @@
                 <a:latin typeface="Courier New" panose="02070309020205020404" pitchFamily="49" charset="0"/>
                 <a:cs typeface="Courier New" panose="02070309020205020404" pitchFamily="49" charset="0"/>
               </a:rPr>
-              <a:t>seqfile</a:t>
+              <a:t>results_tab.tsv</a:t>
             </a:r>
             <a:r>
               <a:rPr lang="en-US" sz="1400" dirty="0">
@@ -13617,18 +13577,17 @@
                 <a:latin typeface="Courier New" panose="02070309020205020404" pitchFamily="49" charset="0"/>
                 <a:cs typeface="Courier New" panose="02070309020205020404" pitchFamily="49" charset="0"/>
               </a:rPr>
-              <a:t> EC958-HG941718.fasta --output EC958-HG941718.isescan --</a:t>
-            </a:r>
-            <a:r>
-              <a:rPr lang="en-US" sz="1400" dirty="0" err="1">
+              <a:t> | \</a:t>
+            </a:r>
+            <a:br>
+              <a:rPr lang="en-US" sz="1400" dirty="0">
                 <a:solidFill>
                   <a:schemeClr val="bg2"/>
                 </a:solidFill>
                 <a:latin typeface="Courier New" panose="02070309020205020404" pitchFamily="49" charset="0"/>
                 <a:cs typeface="Courier New" panose="02070309020205020404" pitchFamily="49" charset="0"/>
               </a:rPr>
-              <a:t>nthread</a:t>
-            </a:r>
+            </a:br>
             <a:r>
               <a:rPr lang="en-US" sz="1400" dirty="0">
                 <a:solidFill>
@@ -13637,7 +13596,27 @@
                 <a:latin typeface="Courier New" panose="02070309020205020404" pitchFamily="49" charset="0"/>
                 <a:cs typeface="Courier New" panose="02070309020205020404" pitchFamily="49" charset="0"/>
               </a:rPr>
-              <a:t> 8</a:t>
+              <a:t>    column -</a:t>
+            </a:r>
+            <a:r>
+              <a:rPr lang="en-US" sz="1400" dirty="0" err="1">
+                <a:solidFill>
+                  <a:schemeClr val="bg2"/>
+                </a:solidFill>
+                <a:latin typeface="Courier New" panose="02070309020205020404" pitchFamily="49" charset="0"/>
+                <a:cs typeface="Courier New" panose="02070309020205020404" pitchFamily="49" charset="0"/>
+              </a:rPr>
+              <a:t>ts</a:t>
+            </a:r>
+            <a:r>
+              <a:rPr lang="en-US" sz="1400" dirty="0">
+                <a:solidFill>
+                  <a:schemeClr val="bg2"/>
+                </a:solidFill>
+                <a:latin typeface="Courier New" panose="02070309020205020404" pitchFamily="49" charset="0"/>
+                <a:cs typeface="Courier New" panose="02070309020205020404" pitchFamily="49" charset="0"/>
+              </a:rPr>
+              <a:t> $'\t’</a:t>
             </a:r>
           </a:p>
           <a:p>
@@ -13652,7 +13631,7 @@
                 <a:latin typeface="Courier New" panose="02070309020205020404" pitchFamily="49" charset="0"/>
                 <a:cs typeface="Courier New" panose="02070309020205020404" pitchFamily="49" charset="0"/>
               </a:rPr>
-              <a:t>$ ls EC958-HG941718.isescan</a:t>
+              <a:t># Make a BED file for later</a:t>
             </a:r>
           </a:p>
           <a:p>
@@ -13660,14 +13639,34 @@
               <a:buNone/>
             </a:pPr>
             <a:r>
-              <a:rPr lang="en-US" sz="1100" dirty="0">
+              <a:rPr lang="en-US" sz="1400" dirty="0">
                 <a:solidFill>
                   <a:schemeClr val="bg2"/>
                 </a:solidFill>
                 <a:latin typeface="Courier New" panose="02070309020205020404" pitchFamily="49" charset="0"/>
                 <a:cs typeface="Courier New" panose="02070309020205020404" pitchFamily="49" charset="0"/>
               </a:rPr>
-              <a:t>EC958-HG941718.fasta.csv     EC958-HG941718.fasta.orf.faa  EC958-HG941718.fasta.raw  hmm</a:t>
+              <a:t>$ cat EC958-HG941718.gbk.resfinder/</a:t>
+            </a:r>
+            <a:r>
+              <a:rPr lang="en-US" sz="1400" dirty="0" err="1">
+                <a:solidFill>
+                  <a:schemeClr val="bg2"/>
+                </a:solidFill>
+                <a:latin typeface="Courier New" panose="02070309020205020404" pitchFamily="49" charset="0"/>
+                <a:cs typeface="Courier New" panose="02070309020205020404" pitchFamily="49" charset="0"/>
+              </a:rPr>
+              <a:t>results_tab.tsv</a:t>
+            </a:r>
+            <a:r>
+              <a:rPr lang="en-US" sz="1400" dirty="0">
+                <a:solidFill>
+                  <a:schemeClr val="bg2"/>
+                </a:solidFill>
+                <a:latin typeface="Courier New" panose="02070309020205020404" pitchFamily="49" charset="0"/>
+                <a:cs typeface="Courier New" panose="02070309020205020404" pitchFamily="49" charset="0"/>
+              </a:rPr>
+              <a:t> | tail -n +2 | \</a:t>
             </a:r>
           </a:p>
           <a:p>
@@ -13675,14 +13674,34 @@
               <a:buNone/>
             </a:pPr>
             <a:r>
-              <a:rPr lang="en-US" sz="1100" dirty="0">
+              <a:rPr lang="en-US" sz="1400" dirty="0">
                 <a:solidFill>
                   <a:schemeClr val="bg2"/>
                 </a:solidFill>
                 <a:latin typeface="Courier New" panose="02070309020205020404" pitchFamily="49" charset="0"/>
                 <a:cs typeface="Courier New" panose="02070309020205020404" pitchFamily="49" charset="0"/>
               </a:rPr>
-              <a:t>EC958-HG941718.fasta.gff     EC958-HG941718.fasta.orf.fna  EC958-HG941718.fasta.sum  proteome</a:t>
+              <a:t>  </a:t>
+            </a:r>
+            <a:r>
+              <a:rPr lang="en-US" sz="1400" dirty="0" err="1">
+                <a:solidFill>
+                  <a:schemeClr val="bg2"/>
+                </a:solidFill>
+                <a:latin typeface="Courier New" panose="02070309020205020404" pitchFamily="49" charset="0"/>
+                <a:cs typeface="Courier New" panose="02070309020205020404" pitchFamily="49" charset="0"/>
+              </a:rPr>
+              <a:t>perl</a:t>
+            </a:r>
+            <a:r>
+              <a:rPr lang="en-US" sz="1400" dirty="0">
+                <a:solidFill>
+                  <a:schemeClr val="bg2"/>
+                </a:solidFill>
+                <a:latin typeface="Courier New" panose="02070309020205020404" pitchFamily="49" charset="0"/>
+                <a:cs typeface="Courier New" panose="02070309020205020404" pitchFamily="49" charset="0"/>
+              </a:rPr>
+              <a:t> -F'\t' -lane ‘</a:t>
             </a:r>
           </a:p>
           <a:p>
@@ -13690,15 +13709,102 @@
               <a:buNone/>
             </a:pPr>
             <a:r>
-              <a:rPr lang="en-US" sz="1100" dirty="0">
+              <a:rPr lang="en-US" sz="1400" dirty="0">
                 <a:solidFill>
                   <a:schemeClr val="bg2"/>
                 </a:solidFill>
                 <a:latin typeface="Courier New" panose="02070309020205020404" pitchFamily="49" charset="0"/>
                 <a:cs typeface="Courier New" panose="02070309020205020404" pitchFamily="49" charset="0"/>
               </a:rPr>
-              <a:t>EC958-HG941718.fasta.is.fna  EC958-HG941718.fasta.out      EC958-HG941718.fasta.tsv</a:t>
-            </a:r>
+              <a:t>    ($</a:t>
+            </a:r>
+            <a:r>
+              <a:rPr lang="en-US" sz="1400" dirty="0" err="1">
+                <a:solidFill>
+                  <a:schemeClr val="bg2"/>
+                </a:solidFill>
+                <a:latin typeface="Courier New" panose="02070309020205020404" pitchFamily="49" charset="0"/>
+                <a:cs typeface="Courier New" panose="02070309020205020404" pitchFamily="49" charset="0"/>
+              </a:rPr>
+              <a:t>start,$stop</a:t>
+            </a:r>
+            <a:r>
+              <a:rPr lang="en-US" sz="1400" dirty="0">
+                <a:solidFill>
+                  <a:schemeClr val="bg2"/>
+                </a:solidFill>
+                <a:latin typeface="Courier New" panose="02070309020205020404" pitchFamily="49" charset="0"/>
+                <a:cs typeface="Courier New" panose="02070309020205020404" pitchFamily="49" charset="0"/>
+              </a:rPr>
+              <a:t>)=split(/\.{2}/, $F[5]); </a:t>
+            </a:r>
+          </a:p>
+          <a:p>
+            <a:pPr marL="0" indent="0">
+              <a:buNone/>
+            </a:pPr>
+            <a:r>
+              <a:rPr lang="en-US" sz="1400" dirty="0">
+                <a:solidFill>
+                  <a:schemeClr val="bg2"/>
+                </a:solidFill>
+                <a:latin typeface="Courier New" panose="02070309020205020404" pitchFamily="49" charset="0"/>
+                <a:cs typeface="Courier New" panose="02070309020205020404" pitchFamily="49" charset="0"/>
+              </a:rPr>
+              <a:t>    print join("\</a:t>
+            </a:r>
+            <a:r>
+              <a:rPr lang="en-US" sz="1400" dirty="0" err="1">
+                <a:solidFill>
+                  <a:schemeClr val="bg2"/>
+                </a:solidFill>
+                <a:latin typeface="Courier New" panose="02070309020205020404" pitchFamily="49" charset="0"/>
+                <a:cs typeface="Courier New" panose="02070309020205020404" pitchFamily="49" charset="0"/>
+              </a:rPr>
+              <a:t>t",$F</a:t>
+            </a:r>
+            <a:r>
+              <a:rPr lang="en-US" sz="1400" dirty="0">
+                <a:solidFill>
+                  <a:schemeClr val="bg2"/>
+                </a:solidFill>
+                <a:latin typeface="Courier New" panose="02070309020205020404" pitchFamily="49" charset="0"/>
+                <a:cs typeface="Courier New" panose="02070309020205020404" pitchFamily="49" charset="0"/>
+              </a:rPr>
+              <a:t>[4], $start, $stop, $F[6]);</a:t>
+            </a:r>
+          </a:p>
+          <a:p>
+            <a:pPr marL="0" indent="0">
+              <a:buNone/>
+            </a:pPr>
+            <a:r>
+              <a:rPr lang="en-US" sz="1400" dirty="0">
+                <a:solidFill>
+                  <a:schemeClr val="bg2"/>
+                </a:solidFill>
+                <a:latin typeface="Courier New" panose="02070309020205020404" pitchFamily="49" charset="0"/>
+                <a:cs typeface="Courier New" panose="02070309020205020404" pitchFamily="49" charset="0"/>
+              </a:rPr>
+              <a:t>  ' &gt; </a:t>
+            </a:r>
+            <a:r>
+              <a:rPr lang="en-US" sz="1400" dirty="0" err="1">
+                <a:solidFill>
+                  <a:schemeClr val="bg2"/>
+                </a:solidFill>
+                <a:latin typeface="Courier New" panose="02070309020205020404" pitchFamily="49" charset="0"/>
+                <a:cs typeface="Courier New" panose="02070309020205020404" pitchFamily="49" charset="0"/>
+              </a:rPr>
+              <a:t>resfinder.bed</a:t>
+            </a:r>
+            <a:endParaRPr lang="en-US" sz="1400" dirty="0">
+              <a:solidFill>
+                <a:schemeClr val="bg2"/>
+              </a:solidFill>
+              <a:latin typeface="Courier New" panose="02070309020205020404" pitchFamily="49" charset="0"/>
+              <a:cs typeface="Courier New" panose="02070309020205020404" pitchFamily="49" charset="0"/>
+            </a:endParaRPr>
           </a:p>
           <a:p>
             <a:pPr marL="0" indent="0">
@@ -13732,21 +13838,16 @@
         </p:nvSpPr>
         <p:spPr>
           <a:xfrm>
-            <a:off x="457201" y="2943497"/>
-            <a:ext cx="8229600" cy="1680754"/>
+            <a:off x="457201" y="3767001"/>
+            <a:ext cx="8229600" cy="857250"/>
           </a:xfrm>
-          <a:noFill/>
+          <a:solidFill>
+            <a:schemeClr val="accent6"/>
+          </a:solidFill>
           <a:ln>
             <a:noFill/>
           </a:ln>
           <a:extLst>
-            <a:ext uri="{909E8E84-426E-40DD-AFC4-6F175D3DCCD1}">
-              <a14:hiddenFill xmlns:a14="http://schemas.microsoft.com/office/drawing/2010/main">
-                <a:solidFill>
-                  <a:srgbClr val="FFFFFF"/>
-                </a:solidFill>
-              </a14:hiddenFill>
-            </a:ext>
             <a:ext uri="{91240B29-F687-4F45-9708-019B960494DF}">
               <a14:hiddenLine xmlns:a14="http://schemas.microsoft.com/office/drawing/2010/main" w="9525">
                 <a:solidFill>
@@ -13767,47 +13868,78 @@
           </a:bodyPr>
           <a:lstStyle/>
           <a:p>
-            <a:r>
-              <a:rPr lang="en-US" dirty="0"/>
-              <a:t>--</a:t>
-            </a:r>
-            <a:r>
-              <a:rPr lang="en-US" dirty="0" err="1"/>
-              <a:t>seqfile</a:t>
-            </a:r>
-            <a:r>
-              <a:rPr lang="en-US" dirty="0"/>
-              <a:t> fasta input</a:t>
-            </a:r>
-          </a:p>
-          <a:p>
-            <a:r>
-              <a:rPr lang="en-US" dirty="0"/>
-              <a:t>--output is a folder</a:t>
-            </a:r>
-          </a:p>
-          <a:p>
-            <a:r>
-              <a:rPr lang="en-US" dirty="0"/>
-              <a:t>--</a:t>
-            </a:r>
-            <a:r>
-              <a:rPr lang="en-US" dirty="0" err="1"/>
-              <a:t>nthread</a:t>
-            </a:r>
-            <a:r>
-              <a:rPr lang="en-US" dirty="0"/>
-              <a:t> number of threads</a:t>
+            <a:pPr marL="0" indent="0">
+              <a:buNone/>
+            </a:pPr>
+            <a:r>
+              <a:rPr lang="en-US" sz="900" dirty="0">
+                <a:solidFill>
+                  <a:schemeClr val="bg2"/>
+                </a:solidFill>
+                <a:latin typeface="Courier New" panose="02070309020205020404" pitchFamily="49" charset="0"/>
+                <a:cs typeface="Courier New" panose="02070309020205020404" pitchFamily="49" charset="0"/>
+              </a:rPr>
+              <a:t>Database     Resistance gene  Predicted phenotype                        Accession number</a:t>
+            </a:r>
+          </a:p>
+          <a:p>
+            <a:pPr marL="0" indent="0">
+              <a:buNone/>
+            </a:pPr>
+            <a:r>
+              <a:rPr lang="en-US" sz="900" dirty="0">
+                <a:solidFill>
+                  <a:schemeClr val="bg2"/>
+                </a:solidFill>
+                <a:latin typeface="Courier New" panose="02070309020205020404" pitchFamily="49" charset="0"/>
+                <a:cs typeface="Courier New" panose="02070309020205020404" pitchFamily="49" charset="0"/>
+              </a:rPr>
+              <a:t>beta-lactam  blaCMY-23        Beta-lactam resistance                     DQ438952</a:t>
+            </a:r>
+          </a:p>
+          <a:p>
+            <a:pPr marL="0" indent="0">
+              <a:buNone/>
+            </a:pPr>
+            <a:r>
+              <a:rPr lang="en-US" sz="900" dirty="0">
+                <a:solidFill>
+                  <a:schemeClr val="bg2"/>
+                </a:solidFill>
+                <a:latin typeface="Courier New" panose="02070309020205020404" pitchFamily="49" charset="0"/>
+                <a:cs typeface="Courier New" panose="02070309020205020404" pitchFamily="49" charset="0"/>
+              </a:rPr>
+              <a:t>macrolide    </a:t>
+            </a:r>
+            <a:r>
+              <a:rPr lang="en-US" sz="900" dirty="0" err="1">
+                <a:solidFill>
+                  <a:schemeClr val="bg2"/>
+                </a:solidFill>
+                <a:latin typeface="Courier New" panose="02070309020205020404" pitchFamily="49" charset="0"/>
+                <a:cs typeface="Courier New" panose="02070309020205020404" pitchFamily="49" charset="0"/>
+              </a:rPr>
+              <a:t>mdf</a:t>
+            </a:r>
+            <a:r>
+              <a:rPr lang="en-US" sz="900" dirty="0">
+                <a:solidFill>
+                  <a:schemeClr val="bg2"/>
+                </a:solidFill>
+                <a:latin typeface="Courier New" panose="02070309020205020404" pitchFamily="49" charset="0"/>
+                <a:cs typeface="Courier New" panose="02070309020205020404" pitchFamily="49" charset="0"/>
+              </a:rPr>
+              <a:t>(A)           Warning: gene is missing from Notes file.  Y08743</a:t>
             </a:r>
           </a:p>
         </p:txBody>
       </p:sp>
       <p:sp>
         <p:nvSpPr>
-          <p:cNvPr id="7" name="TextBox 6">
+          <p:cNvPr id="2" name="TextBox 1">
             <a:extLst>
               <a:ext uri="{FF2B5EF4-FFF2-40B4-BE49-F238E27FC236}">
-                <a16:creationId xmlns:a16="http://schemas.microsoft.com/office/drawing/2014/main" id="{484BB1A4-9DD4-4FD0-ADEE-0424332CD7A8}"/>
+                <a16:creationId xmlns:a16="http://schemas.microsoft.com/office/drawing/2014/main" id="{19C5CA03-2AC7-4278-BCFB-55A33ACA3DBA}"/>
               </a:ext>
             </a:extLst>
           </p:cNvPr>
@@ -13816,8 +13948,8 @@
         </p:nvSpPr>
         <p:spPr>
           <a:xfrm>
-            <a:off x="4682067" y="3931753"/>
-            <a:ext cx="4572000" cy="1015663"/>
+            <a:off x="0" y="2142066"/>
+            <a:ext cx="457200" cy="369332"/>
           </a:xfrm>
           <a:prstGeom prst="rect">
             <a:avLst/>
@@ -13825,149 +13957,27 @@
           <a:noFill/>
         </p:spPr>
         <p:txBody>
-          <a:bodyPr wrap="square">
+          <a:bodyPr wrap="square" rtlCol="0">
             <a:spAutoFit/>
           </a:bodyPr>
           <a:lstStyle/>
           <a:p>
-            <a:pPr algn="l" fontAlgn="base"/>
-            <a:r>
-              <a:rPr lang="en-US" sz="1200" b="0" i="0" dirty="0" err="1">
-                <a:solidFill>
-                  <a:srgbClr val="2A2A2A"/>
-                </a:solidFill>
-                <a:effectLst/>
-                <a:latin typeface="Roboto" panose="02000000000000000000" pitchFamily="2" charset="0"/>
-                <a:ea typeface="Roboto" panose="02000000000000000000" pitchFamily="2" charset="0"/>
+            <a:r>
+              <a:rPr lang="en-US" dirty="0">
+                <a:solidFill>
+                  <a:srgbClr val="000000"/>
+                </a:solidFill>
+                <a:latin typeface="Calibri" panose="020F0502020204030204" pitchFamily="34" charset="0"/>
               </a:rPr>
-              <a:t>Zhiqun</a:t>
-            </a:r>
-            <a:r>
-              <a:rPr lang="en-US" sz="1200" b="0" i="0" dirty="0">
-                <a:solidFill>
-                  <a:srgbClr val="2A2A2A"/>
-                </a:solidFill>
-                <a:effectLst/>
-                <a:latin typeface="Roboto" panose="02000000000000000000" pitchFamily="2" charset="0"/>
-                <a:ea typeface="Roboto" panose="02000000000000000000" pitchFamily="2" charset="0"/>
-              </a:rPr>
-              <a:t> </a:t>
-            </a:r>
-            <a:r>
-              <a:rPr lang="en-US" sz="1200" b="0" i="0" dirty="0" err="1">
-                <a:solidFill>
-                  <a:srgbClr val="2A2A2A"/>
-                </a:solidFill>
-                <a:effectLst/>
-                <a:latin typeface="Roboto" panose="02000000000000000000" pitchFamily="2" charset="0"/>
-                <a:ea typeface="Roboto" panose="02000000000000000000" pitchFamily="2" charset="0"/>
-              </a:rPr>
-              <a:t>Xie</a:t>
-            </a:r>
-            <a:r>
-              <a:rPr lang="en-US" sz="1200" b="0" i="0" dirty="0">
-                <a:solidFill>
-                  <a:srgbClr val="2A2A2A"/>
-                </a:solidFill>
-                <a:effectLst/>
-                <a:latin typeface="Roboto" panose="02000000000000000000" pitchFamily="2" charset="0"/>
-                <a:ea typeface="Roboto" panose="02000000000000000000" pitchFamily="2" charset="0"/>
-              </a:rPr>
-              <a:t>, </a:t>
-            </a:r>
-            <a:r>
-              <a:rPr lang="en-US" sz="1200" b="0" i="0" dirty="0" err="1">
-                <a:solidFill>
-                  <a:srgbClr val="2A2A2A"/>
-                </a:solidFill>
-                <a:effectLst/>
-                <a:latin typeface="Roboto" panose="02000000000000000000" pitchFamily="2" charset="0"/>
-                <a:ea typeface="Roboto" panose="02000000000000000000" pitchFamily="2" charset="0"/>
-              </a:rPr>
-              <a:t>Haixu</a:t>
-            </a:r>
-            <a:r>
-              <a:rPr lang="en-US" sz="1200" b="0" i="0" dirty="0">
-                <a:solidFill>
-                  <a:srgbClr val="2A2A2A"/>
-                </a:solidFill>
-                <a:effectLst/>
-                <a:latin typeface="Roboto" panose="02000000000000000000" pitchFamily="2" charset="0"/>
-                <a:ea typeface="Roboto" panose="02000000000000000000" pitchFamily="2" charset="0"/>
-              </a:rPr>
-              <a:t> Tang, </a:t>
-            </a:r>
-            <a:r>
-              <a:rPr lang="en-US" sz="1200" b="0" i="0" dirty="0" err="1">
-                <a:solidFill>
-                  <a:srgbClr val="2A2A2A"/>
-                </a:solidFill>
-                <a:effectLst/>
-                <a:latin typeface="Roboto" panose="02000000000000000000" pitchFamily="2" charset="0"/>
-                <a:ea typeface="Roboto" panose="02000000000000000000" pitchFamily="2" charset="0"/>
-              </a:rPr>
-              <a:t>ISEScan</a:t>
-            </a:r>
-            <a:r>
-              <a:rPr lang="en-US" sz="1200" b="0" i="0" dirty="0">
-                <a:solidFill>
-                  <a:srgbClr val="2A2A2A"/>
-                </a:solidFill>
-                <a:effectLst/>
-                <a:latin typeface="Roboto" panose="02000000000000000000" pitchFamily="2" charset="0"/>
-                <a:ea typeface="Roboto" panose="02000000000000000000" pitchFamily="2" charset="0"/>
-              </a:rPr>
-              <a:t>: automated identification of insertion sequence elements in prokaryotic genomes, </a:t>
-            </a:r>
-            <a:r>
-              <a:rPr lang="en-US" sz="1200" b="0" i="1" dirty="0">
-                <a:solidFill>
-                  <a:srgbClr val="2A2A2A"/>
-                </a:solidFill>
-                <a:effectLst/>
-                <a:latin typeface="Roboto" panose="02000000000000000000" pitchFamily="2" charset="0"/>
-                <a:ea typeface="Roboto" panose="02000000000000000000" pitchFamily="2" charset="0"/>
-              </a:rPr>
-              <a:t>Bioinformatics</a:t>
-            </a:r>
-            <a:r>
-              <a:rPr lang="en-US" sz="1200" b="0" i="0" dirty="0">
-                <a:solidFill>
-                  <a:srgbClr val="2A2A2A"/>
-                </a:solidFill>
-                <a:effectLst/>
-                <a:latin typeface="Roboto" panose="02000000000000000000" pitchFamily="2" charset="0"/>
-                <a:ea typeface="Roboto" panose="02000000000000000000" pitchFamily="2" charset="0"/>
-              </a:rPr>
-              <a:t>, Volume 33, Issue 21, 01 November 2017, Pages 3340–3347, </a:t>
-            </a:r>
-            <a:r>
-              <a:rPr lang="en-US" sz="1200" b="0" i="0" u="none" strike="noStrike" dirty="0">
-                <a:solidFill>
-                  <a:srgbClr val="006FB7"/>
-                </a:solidFill>
-                <a:effectLst/>
-                <a:latin typeface="Roboto" panose="02000000000000000000" pitchFamily="2" charset="0"/>
-                <a:ea typeface="Roboto" panose="02000000000000000000" pitchFamily="2" charset="0"/>
-                <a:hlinkClick r:id="rId2"/>
-              </a:rPr>
-              <a:t>https://doi.org/10.1093/bioinformatics/btx433</a:t>
-            </a:r>
-            <a:endParaRPr lang="en-US" sz="1200" b="0" i="0" dirty="0">
-              <a:solidFill>
-                <a:srgbClr val="2A2A2A"/>
-              </a:solidFill>
-              <a:effectLst/>
-              <a:latin typeface="Roboto" panose="02000000000000000000" pitchFamily="2" charset="0"/>
-              <a:ea typeface="Roboto" panose="02000000000000000000" pitchFamily="2" charset="0"/>
-            </a:endParaRPr>
+              <a:t>🐪</a:t>
+            </a:r>
           </a:p>
         </p:txBody>
       </p:sp>
     </p:spTree>
     <p:extLst>
       <p:ext uri="{BB962C8B-B14F-4D97-AF65-F5344CB8AC3E}">
-        <p14:creationId xmlns:p14="http://schemas.microsoft.com/office/powerpoint/2010/main" val="976487673"/>
+        <p14:creationId xmlns:p14="http://schemas.microsoft.com/office/powerpoint/2010/main" val="1630116163"/>
       </p:ext>
     </p:extLst>
   </p:cSld>
@@ -14058,6 +14068,226 @@
             <a:r>
               <a:rPr lang="en-US" dirty="0"/>
               <a:t>🖼 Viz! </a:t>
+            </a:r>
+          </a:p>
+        </p:txBody>
+      </p:sp>
+      <p:pic>
+        <p:nvPicPr>
+          <p:cNvPr id="3074" name="Picture 2">
+            <a:extLst>
+              <a:ext uri="{FF2B5EF4-FFF2-40B4-BE49-F238E27FC236}">
+                <a16:creationId xmlns:a16="http://schemas.microsoft.com/office/drawing/2014/main" id="{A80EA50A-EBB1-4E1B-B622-6FC794113877}"/>
+              </a:ext>
+            </a:extLst>
+          </p:cNvPr>
+          <p:cNvPicPr>
+            <a:picLocks noChangeAspect="1" noChangeArrowheads="1"/>
+          </p:cNvPicPr>
+          <p:nvPr/>
+        </p:nvPicPr>
+        <p:blipFill>
+          <a:blip r:embed="rId2" cstate="print">
+            <a:extLst>
+              <a:ext uri="{28A0092B-C50C-407E-A947-70E740481C1C}">
+                <a14:useLocalDpi xmlns:a14="http://schemas.microsoft.com/office/drawing/2010/main" val="0"/>
+              </a:ext>
+            </a:extLst>
+          </a:blip>
+          <a:srcRect/>
+          <a:stretch>
+            <a:fillRect/>
+          </a:stretch>
+        </p:blipFill>
+        <p:spPr bwMode="auto">
+          <a:xfrm>
+            <a:off x="7804545" y="3598863"/>
+            <a:ext cx="1076668" cy="1338658"/>
+          </a:xfrm>
+          <a:prstGeom prst="rect">
+            <a:avLst/>
+          </a:prstGeom>
+          <a:noFill/>
+          <a:extLst>
+            <a:ext uri="{909E8E84-426E-40DD-AFC4-6F175D3DCCD1}">
+              <a14:hiddenFill xmlns:a14="http://schemas.microsoft.com/office/drawing/2010/main">
+                <a:solidFill>
+                  <a:srgbClr val="FFFFFF"/>
+                </a:solidFill>
+              </a14:hiddenFill>
+            </a:ext>
+          </a:extLst>
+        </p:spPr>
+      </p:pic>
+      <p:pic>
+        <p:nvPicPr>
+          <p:cNvPr id="3076" name="Picture 4">
+            <a:extLst>
+              <a:ext uri="{FF2B5EF4-FFF2-40B4-BE49-F238E27FC236}">
+                <a16:creationId xmlns:a16="http://schemas.microsoft.com/office/drawing/2014/main" id="{4C7EA34B-4A4C-49C3-AAAC-4BAABBBAB7B4}"/>
+              </a:ext>
+            </a:extLst>
+          </p:cNvPr>
+          <p:cNvPicPr>
+            <a:picLocks noChangeAspect="1" noChangeArrowheads="1"/>
+          </p:cNvPicPr>
+          <p:nvPr/>
+        </p:nvPicPr>
+        <p:blipFill>
+          <a:blip r:embed="rId3" cstate="print">
+            <a:extLst>
+              <a:ext uri="{28A0092B-C50C-407E-A947-70E740481C1C}">
+                <a14:useLocalDpi xmlns:a14="http://schemas.microsoft.com/office/drawing/2010/main" val="0"/>
+              </a:ext>
+            </a:extLst>
+          </a:blip>
+          <a:srcRect/>
+          <a:stretch>
+            <a:fillRect/>
+          </a:stretch>
+        </p:blipFill>
+        <p:spPr bwMode="auto">
+          <a:xfrm>
+            <a:off x="6988433" y="282060"/>
+            <a:ext cx="1892780" cy="3268980"/>
+          </a:xfrm>
+          <a:prstGeom prst="rect">
+            <a:avLst/>
+          </a:prstGeom>
+          <a:noFill/>
+          <a:extLst>
+            <a:ext uri="{909E8E84-426E-40DD-AFC4-6F175D3DCCD1}">
+              <a14:hiddenFill xmlns:a14="http://schemas.microsoft.com/office/drawing/2010/main">
+                <a:solidFill>
+                  <a:srgbClr val="FFFFFF"/>
+                </a:solidFill>
+              </a14:hiddenFill>
+            </a:ext>
+          </a:extLst>
+        </p:spPr>
+      </p:pic>
+      <p:sp>
+        <p:nvSpPr>
+          <p:cNvPr id="8" name="TextBox 7">
+            <a:extLst>
+              <a:ext uri="{FF2B5EF4-FFF2-40B4-BE49-F238E27FC236}">
+                <a16:creationId xmlns:a16="http://schemas.microsoft.com/office/drawing/2014/main" id="{E4555847-F413-4270-A31E-653608FD28AB}"/>
+              </a:ext>
+            </a:extLst>
+          </p:cNvPr>
+          <p:cNvSpPr txBox="1"/>
+          <p:nvPr/>
+        </p:nvSpPr>
+        <p:spPr>
+          <a:xfrm>
+            <a:off x="4482225" y="3984625"/>
+            <a:ext cx="3259695" cy="369332"/>
+          </a:xfrm>
+          <a:prstGeom prst="rect">
+            <a:avLst/>
+          </a:prstGeom>
+          <a:noFill/>
+        </p:spPr>
+        <p:txBody>
+          <a:bodyPr wrap="square">
+            <a:spAutoFit/>
+          </a:bodyPr>
+          <a:lstStyle/>
+          <a:p>
+            <a:pPr rtl="0">
+              <a:spcBef>
+                <a:spcPts val="0"/>
+              </a:spcBef>
+              <a:spcAft>
+                <a:spcPts val="0"/>
+              </a:spcAft>
+            </a:pPr>
+            <a:r>
+              <a:rPr lang="en-US" sz="1800" b="1" i="0" u="none" strike="noStrike" dirty="0">
+                <a:solidFill>
+                  <a:srgbClr val="434343"/>
+                </a:solidFill>
+                <a:effectLst/>
+                <a:latin typeface="Arial" panose="020B0604020202020204" pitchFamily="34" charset="0"/>
+              </a:rPr>
+              <a:t>https://tinyurl.com/2022mge</a:t>
+            </a:r>
+            <a:endParaRPr lang="en-US" dirty="0"/>
+          </a:p>
+        </p:txBody>
+      </p:sp>
+      <p:pic>
+        <p:nvPicPr>
+          <p:cNvPr id="7" name="Picture 6" descr="Fireman carrying firehose">
+            <a:extLst>
+              <a:ext uri="{FF2B5EF4-FFF2-40B4-BE49-F238E27FC236}">
+                <a16:creationId xmlns:a16="http://schemas.microsoft.com/office/drawing/2014/main" id="{B2AFFA56-06B7-43A4-85E4-F28A429E5001}"/>
+              </a:ext>
+            </a:extLst>
+          </p:cNvPr>
+          <p:cNvPicPr>
+            <a:picLocks noChangeAspect="1"/>
+          </p:cNvPicPr>
+          <p:nvPr/>
+        </p:nvPicPr>
+        <p:blipFill>
+          <a:blip r:embed="rId4" cstate="print">
+            <a:extLst>
+              <a:ext uri="{28A0092B-C50C-407E-A947-70E740481C1C}">
+                <a14:useLocalDpi xmlns:a14="http://schemas.microsoft.com/office/drawing/2010/main" val="0"/>
+              </a:ext>
+            </a:extLst>
+          </a:blip>
+          <a:stretch>
+            <a:fillRect/>
+          </a:stretch>
+        </p:blipFill>
+        <p:spPr>
+          <a:xfrm>
+            <a:off x="4875680" y="1318260"/>
+            <a:ext cx="1826075" cy="1219200"/>
+          </a:xfrm>
+          <a:prstGeom prst="rect">
+            <a:avLst/>
+          </a:prstGeom>
+        </p:spPr>
+      </p:pic>
+      <p:sp>
+        <p:nvSpPr>
+          <p:cNvPr id="9" name="TextBox 8">
+            <a:extLst>
+              <a:ext uri="{FF2B5EF4-FFF2-40B4-BE49-F238E27FC236}">
+                <a16:creationId xmlns:a16="http://schemas.microsoft.com/office/drawing/2014/main" id="{A842C7A3-AC97-4D39-8EA5-9B8DDEF43600}"/>
+              </a:ext>
+            </a:extLst>
+          </p:cNvPr>
+          <p:cNvSpPr txBox="1"/>
+          <p:nvPr/>
+        </p:nvSpPr>
+        <p:spPr>
+          <a:xfrm>
+            <a:off x="4783415" y="2571750"/>
+            <a:ext cx="1918340" cy="646331"/>
+          </a:xfrm>
+          <a:prstGeom prst="rect">
+            <a:avLst/>
+          </a:prstGeom>
+          <a:noFill/>
+        </p:spPr>
+        <p:txBody>
+          <a:bodyPr wrap="square" rtlCol="0">
+            <a:spAutoFit/>
+          </a:bodyPr>
+          <a:lstStyle/>
+          <a:p>
+            <a:r>
+              <a:rPr lang="en-US" dirty="0">
+                <a:solidFill>
+                  <a:srgbClr val="000000"/>
+                </a:solidFill>
+                <a:latin typeface="Calibri" panose="020F0502020204030204" pitchFamily="34" charset="0"/>
+              </a:rPr>
+              <a:t>Let’s drink from a fire hose now</a:t>
             </a:r>
           </a:p>
         </p:txBody>
@@ -14115,6 +14345,476 @@
           <a:p>
             <a:r>
               <a:rPr lang="en-US" dirty="0"/>
+              <a:t>Query with </a:t>
+            </a:r>
+            <a:r>
+              <a:rPr lang="en-US" dirty="0" err="1"/>
+              <a:t>ISEScan</a:t>
+            </a:r>
+            <a:endParaRPr lang="en-US" dirty="0"/>
+          </a:p>
+        </p:txBody>
+      </p:sp>
+      <p:sp>
+        <p:nvSpPr>
+          <p:cNvPr id="5" name="Content Placeholder 4">
+            <a:extLst>
+              <a:ext uri="{FF2B5EF4-FFF2-40B4-BE49-F238E27FC236}">
+                <a16:creationId xmlns:a16="http://schemas.microsoft.com/office/drawing/2014/main" id="{0587DCB9-F4FF-401E-8E63-83D312ECDA41}"/>
+              </a:ext>
+            </a:extLst>
+          </p:cNvPr>
+          <p:cNvSpPr>
+            <a:spLocks noGrp="1"/>
+          </p:cNvSpPr>
+          <p:nvPr>
+            <p:ph idx="1"/>
+          </p:nvPr>
+        </p:nvSpPr>
+        <p:spPr>
+          <a:xfrm>
+            <a:off x="457200" y="1200152"/>
+            <a:ext cx="8229600" cy="1499506"/>
+          </a:xfrm>
+          <a:solidFill>
+            <a:schemeClr val="accent6"/>
+          </a:solidFill>
+        </p:spPr>
+        <p:txBody>
+          <a:bodyPr/>
+          <a:lstStyle/>
+          <a:p>
+            <a:pPr marL="0" indent="0">
+              <a:buNone/>
+            </a:pPr>
+            <a:r>
+              <a:rPr lang="en-US" sz="1400" dirty="0">
+                <a:solidFill>
+                  <a:schemeClr val="bg2"/>
+                </a:solidFill>
+                <a:latin typeface="Courier New" panose="02070309020205020404" pitchFamily="49" charset="0"/>
+                <a:cs typeface="Courier New" panose="02070309020205020404" pitchFamily="49" charset="0"/>
+              </a:rPr>
+              <a:t>$ isescan.py --</a:t>
+            </a:r>
+            <a:r>
+              <a:rPr lang="en-US" sz="1400" dirty="0" err="1">
+                <a:solidFill>
+                  <a:schemeClr val="bg2"/>
+                </a:solidFill>
+                <a:latin typeface="Courier New" panose="02070309020205020404" pitchFamily="49" charset="0"/>
+                <a:cs typeface="Courier New" panose="02070309020205020404" pitchFamily="49" charset="0"/>
+              </a:rPr>
+              <a:t>seqfile</a:t>
+            </a:r>
+            <a:r>
+              <a:rPr lang="en-US" sz="1400" dirty="0">
+                <a:solidFill>
+                  <a:schemeClr val="bg2"/>
+                </a:solidFill>
+                <a:latin typeface="Courier New" panose="02070309020205020404" pitchFamily="49" charset="0"/>
+                <a:cs typeface="Courier New" panose="02070309020205020404" pitchFamily="49" charset="0"/>
+              </a:rPr>
+              <a:t> EC958-HG941718.fasta --output EC958-HG941718.isescan --</a:t>
+            </a:r>
+            <a:r>
+              <a:rPr lang="en-US" sz="1400" dirty="0" err="1">
+                <a:solidFill>
+                  <a:schemeClr val="bg2"/>
+                </a:solidFill>
+                <a:latin typeface="Courier New" panose="02070309020205020404" pitchFamily="49" charset="0"/>
+                <a:cs typeface="Courier New" panose="02070309020205020404" pitchFamily="49" charset="0"/>
+              </a:rPr>
+              <a:t>nthread</a:t>
+            </a:r>
+            <a:r>
+              <a:rPr lang="en-US" sz="1400" dirty="0">
+                <a:solidFill>
+                  <a:schemeClr val="bg2"/>
+                </a:solidFill>
+                <a:latin typeface="Courier New" panose="02070309020205020404" pitchFamily="49" charset="0"/>
+                <a:cs typeface="Courier New" panose="02070309020205020404" pitchFamily="49" charset="0"/>
+              </a:rPr>
+              <a:t> 8</a:t>
+            </a:r>
+          </a:p>
+          <a:p>
+            <a:pPr marL="0" indent="0">
+              <a:buNone/>
+            </a:pPr>
+            <a:r>
+              <a:rPr lang="en-US" sz="1400" dirty="0">
+                <a:solidFill>
+                  <a:schemeClr val="bg2"/>
+                </a:solidFill>
+                <a:latin typeface="Courier New" panose="02070309020205020404" pitchFamily="49" charset="0"/>
+                <a:cs typeface="Courier New" panose="02070309020205020404" pitchFamily="49" charset="0"/>
+              </a:rPr>
+              <a:t>$ ls EC958-HG941718.isescan</a:t>
+            </a:r>
+          </a:p>
+          <a:p>
+            <a:pPr marL="0" indent="0">
+              <a:buNone/>
+            </a:pPr>
+            <a:r>
+              <a:rPr lang="en-US" sz="1100" dirty="0">
+                <a:solidFill>
+                  <a:schemeClr val="bg2"/>
+                </a:solidFill>
+                <a:latin typeface="Courier New" panose="02070309020205020404" pitchFamily="49" charset="0"/>
+                <a:cs typeface="Courier New" panose="02070309020205020404" pitchFamily="49" charset="0"/>
+              </a:rPr>
+              <a:t>EC958-HG941718.fasta.csv     EC958-HG941718.fasta.orf.faa  EC958-HG941718.fasta.raw  hmm</a:t>
+            </a:r>
+          </a:p>
+          <a:p>
+            <a:pPr marL="0" indent="0">
+              <a:buNone/>
+            </a:pPr>
+            <a:r>
+              <a:rPr lang="en-US" sz="1100" dirty="0">
+                <a:solidFill>
+                  <a:schemeClr val="bg2"/>
+                </a:solidFill>
+                <a:latin typeface="Courier New" panose="02070309020205020404" pitchFamily="49" charset="0"/>
+                <a:cs typeface="Courier New" panose="02070309020205020404" pitchFamily="49" charset="0"/>
+              </a:rPr>
+              <a:t>EC958-HG941718.fasta.gff     EC958-HG941718.fasta.orf.fna  EC958-HG941718.fasta.sum  proteome</a:t>
+            </a:r>
+          </a:p>
+          <a:p>
+            <a:pPr marL="0" indent="0">
+              <a:buNone/>
+            </a:pPr>
+            <a:r>
+              <a:rPr lang="en-US" sz="1100" dirty="0">
+                <a:solidFill>
+                  <a:schemeClr val="bg2"/>
+                </a:solidFill>
+                <a:latin typeface="Courier New" panose="02070309020205020404" pitchFamily="49" charset="0"/>
+                <a:cs typeface="Courier New" panose="02070309020205020404" pitchFamily="49" charset="0"/>
+              </a:rPr>
+              <a:t>EC958-HG941718.fasta.is.fna  EC958-HG941718.fasta.out      EC958-HG941718.fasta.tsv</a:t>
+            </a:r>
+          </a:p>
+          <a:p>
+            <a:pPr marL="0" indent="0">
+              <a:buNone/>
+            </a:pPr>
+            <a:endParaRPr lang="en-US" sz="1400" dirty="0">
+              <a:solidFill>
+                <a:schemeClr val="bg2"/>
+              </a:solidFill>
+              <a:latin typeface="Courier New" panose="02070309020205020404" pitchFamily="49" charset="0"/>
+              <a:cs typeface="Courier New" panose="02070309020205020404" pitchFamily="49" charset="0"/>
+            </a:endParaRPr>
+          </a:p>
+        </p:txBody>
+      </p:sp>
+      <p:sp>
+        <p:nvSpPr>
+          <p:cNvPr id="6" name="Content Placeholder 5">
+            <a:extLst>
+              <a:ext uri="{FF2B5EF4-FFF2-40B4-BE49-F238E27FC236}">
+                <a16:creationId xmlns:a16="http://schemas.microsoft.com/office/drawing/2014/main" id="{BDD66FA4-1102-4669-B958-8B9C4FECD005}"/>
+              </a:ext>
+            </a:extLst>
+          </p:cNvPr>
+          <p:cNvSpPr>
+            <a:spLocks noGrp="1"/>
+          </p:cNvSpPr>
+          <p:nvPr>
+            <p:ph idx="10"/>
+          </p:nvPr>
+        </p:nvSpPr>
+        <p:spPr>
+          <a:xfrm>
+            <a:off x="457201" y="2943497"/>
+            <a:ext cx="8229600" cy="1680754"/>
+          </a:xfrm>
+          <a:noFill/>
+          <a:ln>
+            <a:noFill/>
+          </a:ln>
+          <a:extLst>
+            <a:ext uri="{909E8E84-426E-40DD-AFC4-6F175D3DCCD1}">
+              <a14:hiddenFill xmlns:a14="http://schemas.microsoft.com/office/drawing/2010/main">
+                <a:solidFill>
+                  <a:srgbClr val="FFFFFF"/>
+                </a:solidFill>
+              </a14:hiddenFill>
+            </a:ext>
+            <a:ext uri="{91240B29-F687-4F45-9708-019B960494DF}">
+              <a14:hiddenLine xmlns:a14="http://schemas.microsoft.com/office/drawing/2010/main" w="9525">
+                <a:solidFill>
+                  <a:srgbClr val="000000"/>
+                </a:solidFill>
+                <a:miter lim="800000"/>
+                <a:headEnd/>
+                <a:tailEnd/>
+              </a14:hiddenLine>
+            </a:ext>
+          </a:extLst>
+        </p:spPr>
+        <p:txBody>
+          <a:bodyPr vert="horz" wrap="square" lIns="91440" tIns="45720" rIns="91440" bIns="45720" numCol="1" anchor="t" anchorCtr="0" compatLnSpc="1">
+            <a:prstTxWarp prst="textNoShape">
+              <a:avLst/>
+            </a:prstTxWarp>
+          </a:bodyPr>
+          <a:lstStyle/>
+          <a:p>
+            <a:r>
+              <a:rPr lang="en-US" dirty="0"/>
+              <a:t>--</a:t>
+            </a:r>
+            <a:r>
+              <a:rPr lang="en-US" dirty="0" err="1"/>
+              <a:t>seqfile</a:t>
+            </a:r>
+            <a:r>
+              <a:rPr lang="en-US" dirty="0"/>
+              <a:t> fasta input</a:t>
+            </a:r>
+          </a:p>
+          <a:p>
+            <a:r>
+              <a:rPr lang="en-US" dirty="0"/>
+              <a:t>--output is a folder</a:t>
+            </a:r>
+          </a:p>
+          <a:p>
+            <a:r>
+              <a:rPr lang="en-US" dirty="0"/>
+              <a:t>--</a:t>
+            </a:r>
+            <a:r>
+              <a:rPr lang="en-US" dirty="0" err="1"/>
+              <a:t>nthread</a:t>
+            </a:r>
+            <a:r>
+              <a:rPr lang="en-US" dirty="0"/>
+              <a:t> number of threads</a:t>
+            </a:r>
+          </a:p>
+        </p:txBody>
+      </p:sp>
+      <p:sp>
+        <p:nvSpPr>
+          <p:cNvPr id="7" name="TextBox 6">
+            <a:extLst>
+              <a:ext uri="{FF2B5EF4-FFF2-40B4-BE49-F238E27FC236}">
+                <a16:creationId xmlns:a16="http://schemas.microsoft.com/office/drawing/2014/main" id="{484BB1A4-9DD4-4FD0-ADEE-0424332CD7A8}"/>
+              </a:ext>
+            </a:extLst>
+          </p:cNvPr>
+          <p:cNvSpPr txBox="1"/>
+          <p:nvPr/>
+        </p:nvSpPr>
+        <p:spPr>
+          <a:xfrm>
+            <a:off x="4682067" y="3931753"/>
+            <a:ext cx="4572000" cy="1015663"/>
+          </a:xfrm>
+          <a:prstGeom prst="rect">
+            <a:avLst/>
+          </a:prstGeom>
+          <a:noFill/>
+        </p:spPr>
+        <p:txBody>
+          <a:bodyPr wrap="square">
+            <a:spAutoFit/>
+          </a:bodyPr>
+          <a:lstStyle/>
+          <a:p>
+            <a:pPr algn="l" fontAlgn="base"/>
+            <a:r>
+              <a:rPr lang="en-US" sz="1200" b="0" i="0" dirty="0" err="1">
+                <a:solidFill>
+                  <a:srgbClr val="2A2A2A"/>
+                </a:solidFill>
+                <a:effectLst/>
+                <a:latin typeface="Roboto" panose="02000000000000000000" pitchFamily="2" charset="0"/>
+                <a:ea typeface="Roboto" panose="02000000000000000000" pitchFamily="2" charset="0"/>
+              </a:rPr>
+              <a:t>Zhiqun</a:t>
+            </a:r>
+            <a:r>
+              <a:rPr lang="en-US" sz="1200" b="0" i="0" dirty="0">
+                <a:solidFill>
+                  <a:srgbClr val="2A2A2A"/>
+                </a:solidFill>
+                <a:effectLst/>
+                <a:latin typeface="Roboto" panose="02000000000000000000" pitchFamily="2" charset="0"/>
+                <a:ea typeface="Roboto" panose="02000000000000000000" pitchFamily="2" charset="0"/>
+              </a:rPr>
+              <a:t> </a:t>
+            </a:r>
+            <a:r>
+              <a:rPr lang="en-US" sz="1200" b="0" i="0" dirty="0" err="1">
+                <a:solidFill>
+                  <a:srgbClr val="2A2A2A"/>
+                </a:solidFill>
+                <a:effectLst/>
+                <a:latin typeface="Roboto" panose="02000000000000000000" pitchFamily="2" charset="0"/>
+                <a:ea typeface="Roboto" panose="02000000000000000000" pitchFamily="2" charset="0"/>
+              </a:rPr>
+              <a:t>Xie</a:t>
+            </a:r>
+            <a:r>
+              <a:rPr lang="en-US" sz="1200" b="0" i="0" dirty="0">
+                <a:solidFill>
+                  <a:srgbClr val="2A2A2A"/>
+                </a:solidFill>
+                <a:effectLst/>
+                <a:latin typeface="Roboto" panose="02000000000000000000" pitchFamily="2" charset="0"/>
+                <a:ea typeface="Roboto" panose="02000000000000000000" pitchFamily="2" charset="0"/>
+              </a:rPr>
+              <a:t>, </a:t>
+            </a:r>
+            <a:r>
+              <a:rPr lang="en-US" sz="1200" b="0" i="0" dirty="0" err="1">
+                <a:solidFill>
+                  <a:srgbClr val="2A2A2A"/>
+                </a:solidFill>
+                <a:effectLst/>
+                <a:latin typeface="Roboto" panose="02000000000000000000" pitchFamily="2" charset="0"/>
+                <a:ea typeface="Roboto" panose="02000000000000000000" pitchFamily="2" charset="0"/>
+              </a:rPr>
+              <a:t>Haixu</a:t>
+            </a:r>
+            <a:r>
+              <a:rPr lang="en-US" sz="1200" b="0" i="0" dirty="0">
+                <a:solidFill>
+                  <a:srgbClr val="2A2A2A"/>
+                </a:solidFill>
+                <a:effectLst/>
+                <a:latin typeface="Roboto" panose="02000000000000000000" pitchFamily="2" charset="0"/>
+                <a:ea typeface="Roboto" panose="02000000000000000000" pitchFamily="2" charset="0"/>
+              </a:rPr>
+              <a:t> Tang, </a:t>
+            </a:r>
+            <a:r>
+              <a:rPr lang="en-US" sz="1200" b="0" i="0" dirty="0" err="1">
+                <a:solidFill>
+                  <a:srgbClr val="2A2A2A"/>
+                </a:solidFill>
+                <a:effectLst/>
+                <a:latin typeface="Roboto" panose="02000000000000000000" pitchFamily="2" charset="0"/>
+                <a:ea typeface="Roboto" panose="02000000000000000000" pitchFamily="2" charset="0"/>
+              </a:rPr>
+              <a:t>ISEScan</a:t>
+            </a:r>
+            <a:r>
+              <a:rPr lang="en-US" sz="1200" b="0" i="0" dirty="0">
+                <a:solidFill>
+                  <a:srgbClr val="2A2A2A"/>
+                </a:solidFill>
+                <a:effectLst/>
+                <a:latin typeface="Roboto" panose="02000000000000000000" pitchFamily="2" charset="0"/>
+                <a:ea typeface="Roboto" panose="02000000000000000000" pitchFamily="2" charset="0"/>
+              </a:rPr>
+              <a:t>: automated identification of insertion sequence elements in prokaryotic genomes, </a:t>
+            </a:r>
+            <a:r>
+              <a:rPr lang="en-US" sz="1200" b="0" i="1" dirty="0">
+                <a:solidFill>
+                  <a:srgbClr val="2A2A2A"/>
+                </a:solidFill>
+                <a:effectLst/>
+                <a:latin typeface="Roboto" panose="02000000000000000000" pitchFamily="2" charset="0"/>
+                <a:ea typeface="Roboto" panose="02000000000000000000" pitchFamily="2" charset="0"/>
+              </a:rPr>
+              <a:t>Bioinformatics</a:t>
+            </a:r>
+            <a:r>
+              <a:rPr lang="en-US" sz="1200" b="0" i="0" dirty="0">
+                <a:solidFill>
+                  <a:srgbClr val="2A2A2A"/>
+                </a:solidFill>
+                <a:effectLst/>
+                <a:latin typeface="Roboto" panose="02000000000000000000" pitchFamily="2" charset="0"/>
+                <a:ea typeface="Roboto" panose="02000000000000000000" pitchFamily="2" charset="0"/>
+              </a:rPr>
+              <a:t>, Volume 33, Issue 21, 01 November 2017, Pages 3340–3347, </a:t>
+            </a:r>
+            <a:r>
+              <a:rPr lang="en-US" sz="1200" b="0" i="0" u="none" strike="noStrike" dirty="0">
+                <a:solidFill>
+                  <a:srgbClr val="006FB7"/>
+                </a:solidFill>
+                <a:effectLst/>
+                <a:latin typeface="Roboto" panose="02000000000000000000" pitchFamily="2" charset="0"/>
+                <a:ea typeface="Roboto" panose="02000000000000000000" pitchFamily="2" charset="0"/>
+                <a:hlinkClick r:id="rId2"/>
+              </a:rPr>
+              <a:t>https://doi.org/10.1093/bioinformatics/btx433</a:t>
+            </a:r>
+            <a:endParaRPr lang="en-US" sz="1200" b="0" i="0" dirty="0">
+              <a:solidFill>
+                <a:srgbClr val="2A2A2A"/>
+              </a:solidFill>
+              <a:effectLst/>
+              <a:latin typeface="Roboto" panose="02000000000000000000" pitchFamily="2" charset="0"/>
+              <a:ea typeface="Roboto" panose="02000000000000000000" pitchFamily="2" charset="0"/>
+            </a:endParaRPr>
+          </a:p>
+        </p:txBody>
+      </p:sp>
+    </p:spTree>
+    <p:extLst>
+      <p:ext uri="{BB962C8B-B14F-4D97-AF65-F5344CB8AC3E}">
+        <p14:creationId xmlns:p14="http://schemas.microsoft.com/office/powerpoint/2010/main" val="976487673"/>
+      </p:ext>
+    </p:extLst>
+  </p:cSld>
+  <p:clrMapOvr>
+    <a:masterClrMapping/>
+  </p:clrMapOvr>
+</p:sld>
+</file>
+
+<file path=ppt/slides/slide21.xml><?xml version="1.0" encoding="utf-8"?>
+<p:sld xmlns:a="http://schemas.openxmlformats.org/drawingml/2006/main" xmlns:r="http://schemas.openxmlformats.org/officeDocument/2006/relationships" xmlns:p="http://schemas.openxmlformats.org/presentationml/2006/main">
+  <p:cSld>
+    <p:spTree>
+      <p:nvGrpSpPr>
+        <p:cNvPr id="1" name=""/>
+        <p:cNvGrpSpPr/>
+        <p:nvPr/>
+      </p:nvGrpSpPr>
+      <p:grpSpPr>
+        <a:xfrm>
+          <a:off x="0" y="0"/>
+          <a:ext cx="0" cy="0"/>
+          <a:chOff x="0" y="0"/>
+          <a:chExt cx="0" cy="0"/>
+        </a:xfrm>
+      </p:grpSpPr>
+      <p:sp>
+        <p:nvSpPr>
+          <p:cNvPr id="4" name="Title 3">
+            <a:extLst>
+              <a:ext uri="{FF2B5EF4-FFF2-40B4-BE49-F238E27FC236}">
+                <a16:creationId xmlns:a16="http://schemas.microsoft.com/office/drawing/2014/main" id="{997106F5-ECCA-4845-AFE5-4F56B02CE480}"/>
+              </a:ext>
+            </a:extLst>
+          </p:cNvPr>
+          <p:cNvSpPr>
+            <a:spLocks noGrp="1"/>
+          </p:cNvSpPr>
+          <p:nvPr>
+            <p:ph type="title"/>
+          </p:nvPr>
+        </p:nvSpPr>
+        <p:spPr/>
+        <p:txBody>
+          <a:bodyPr/>
+          <a:lstStyle/>
+          <a:p>
+            <a:r>
+              <a:rPr lang="en-US" dirty="0"/>
               <a:t>Count different kinds of IS elements</a:t>
             </a:r>
           </a:p>
@@ -14442,7 +15142,7 @@
 </p:sld>
 </file>
 
-<file path=ppt/slides/slide21.xml><?xml version="1.0" encoding="utf-8"?>
+<file path=ppt/slides/slide22.xml><?xml version="1.0" encoding="utf-8"?>
 <p:sld xmlns:a="http://schemas.openxmlformats.org/drawingml/2006/main" xmlns:r="http://schemas.openxmlformats.org/officeDocument/2006/relationships" xmlns:p="http://schemas.openxmlformats.org/presentationml/2006/main">
   <p:cSld>
     <p:spTree>
@@ -14693,7 +15393,7 @@
 </p:sld>
 </file>
 
-<file path=ppt/slides/slide22.xml><?xml version="1.0" encoding="utf-8"?>
+<file path=ppt/slides/slide23.xml><?xml version="1.0" encoding="utf-8"?>
 <p:sld xmlns:a="http://schemas.openxmlformats.org/drawingml/2006/main" xmlns:r="http://schemas.openxmlformats.org/officeDocument/2006/relationships" xmlns:p="http://schemas.openxmlformats.org/presentationml/2006/main">
   <p:cSld>
     <p:spTree>
@@ -14765,6 +15465,11 @@
             <a:off x="1244439" y="2100169"/>
             <a:ext cx="2305372" cy="1343212"/>
           </a:xfrm>
+          <a:ln>
+            <a:solidFill>
+              <a:schemeClr val="tx1"/>
+            </a:solidFill>
+          </a:ln>
         </p:spPr>
       </p:pic>
       <p:pic>
@@ -14794,6 +15499,11 @@
             <a:off x="5941900" y="2224011"/>
             <a:ext cx="1609950" cy="1095528"/>
           </a:xfrm>
+          <a:ln>
+            <a:solidFill>
+              <a:schemeClr val="tx1"/>
+            </a:solidFill>
+          </a:ln>
         </p:spPr>
       </p:pic>
       <p:sp>
@@ -14889,7 +15599,7 @@
 </p:sld>
 </file>
 
-<file path=ppt/slides/slide23.xml><?xml version="1.0" encoding="utf-8"?>
+<file path=ppt/slides/slide24.xml><?xml version="1.0" encoding="utf-8"?>
 <p:sld xmlns:a="http://schemas.openxmlformats.org/drawingml/2006/main" xmlns:r="http://schemas.openxmlformats.org/officeDocument/2006/relationships" xmlns:p="http://schemas.openxmlformats.org/presentationml/2006/main">
   <p:cSld>
     <p:spTree>
@@ -15094,7 +15804,7 @@
 </p:sld>
 </file>
 
-<file path=ppt/slides/slide24.xml><?xml version="1.0" encoding="utf-8"?>
+<file path=ppt/slides/slide25.xml><?xml version="1.0" encoding="utf-8"?>
 <p:sld xmlns:a="http://schemas.openxmlformats.org/drawingml/2006/main" xmlns:r="http://schemas.openxmlformats.org/officeDocument/2006/relationships" xmlns:p="http://schemas.openxmlformats.org/presentationml/2006/main">
   <p:cSld>
     <p:spTree>
@@ -15321,7 +16031,7 @@
 </p:sld>
 </file>
 
-<file path=ppt/slides/slide25.xml><?xml version="1.0" encoding="utf-8"?>
+<file path=ppt/slides/slide26.xml><?xml version="1.0" encoding="utf-8"?>
 <p:sld xmlns:a="http://schemas.openxmlformats.org/drawingml/2006/main" xmlns:r="http://schemas.openxmlformats.org/officeDocument/2006/relationships" xmlns:p="http://schemas.openxmlformats.org/presentationml/2006/main">
   <p:cSld>
     <p:spTree>
@@ -15572,7 +16282,7 @@
 </p:sld>
 </file>
 
-<file path=ppt/slides/slide26.xml><?xml version="1.0" encoding="utf-8"?>
+<file path=ppt/slides/slide27.xml><?xml version="1.0" encoding="utf-8"?>
 <p:sld xmlns:a="http://schemas.openxmlformats.org/drawingml/2006/main" xmlns:r="http://schemas.openxmlformats.org/officeDocument/2006/relationships" xmlns:p="http://schemas.openxmlformats.org/presentationml/2006/main">
   <p:cSld>
     <p:spTree>
@@ -15681,6 +16391,46 @@
           </a:p>
         </p:txBody>
       </p:sp>
+      <p:sp>
+        <p:nvSpPr>
+          <p:cNvPr id="7" name="TextBox 6">
+            <a:extLst>
+              <a:ext uri="{FF2B5EF4-FFF2-40B4-BE49-F238E27FC236}">
+                <a16:creationId xmlns:a16="http://schemas.microsoft.com/office/drawing/2014/main" id="{092CEC2A-9CE9-47B4-AE7F-F25FDFE25F78}"/>
+              </a:ext>
+            </a:extLst>
+          </p:cNvPr>
+          <p:cNvSpPr txBox="1"/>
+          <p:nvPr/>
+        </p:nvSpPr>
+        <p:spPr>
+          <a:xfrm>
+            <a:off x="5638800" y="4034432"/>
+            <a:ext cx="3352800" cy="923330"/>
+          </a:xfrm>
+          <a:prstGeom prst="rect">
+            <a:avLst/>
+          </a:prstGeom>
+          <a:noFill/>
+        </p:spPr>
+        <p:txBody>
+          <a:bodyPr wrap="square" rtlCol="0">
+            <a:spAutoFit/>
+          </a:bodyPr>
+          <a:lstStyle/>
+          <a:p>
+            <a:r>
+              <a:rPr lang="en-US" dirty="0">
+                <a:solidFill>
+                  <a:schemeClr val="bg2"/>
+                </a:solidFill>
+                <a:latin typeface="Calibri" panose="020F0502020204030204" pitchFamily="34" charset="0"/>
+              </a:rPr>
+              <a:t>The statements here do not necessarily reflect the opinions of CDC</a:t>
+            </a:r>
+          </a:p>
+        </p:txBody>
+      </p:sp>
     </p:spTree>
     <p:extLst>
       <p:ext uri="{BB962C8B-B14F-4D97-AF65-F5344CB8AC3E}">
@@ -15694,7 +16444,7 @@
 </p:sld>
 </file>
 
-<file path=ppt/slides/slide27.xml><?xml version="1.0" encoding="utf-8"?>
+<file path=ppt/slides/slide28.xml><?xml version="1.0" encoding="utf-8"?>
 <p:sld xmlns:a="http://schemas.openxmlformats.org/drawingml/2006/main" xmlns:r="http://schemas.openxmlformats.org/officeDocument/2006/relationships" xmlns:p="http://schemas.openxmlformats.org/presentationml/2006/main">
   <p:cSld>
     <p:spTree>
@@ -15713,7 +16463,13 @@
       </p:grpSpPr>
       <p:sp>
         <p:nvSpPr>
-          <p:cNvPr id="5" name="Title 4"/>
+          <p:cNvPr id="2" name="Title 1">
+            <a:extLst>
+              <a:ext uri="{FF2B5EF4-FFF2-40B4-BE49-F238E27FC236}">
+                <a16:creationId xmlns:a16="http://schemas.microsoft.com/office/drawing/2014/main" id="{060C4C05-D733-4B2C-8785-F7E926B8715D}"/>
+              </a:ext>
+            </a:extLst>
+          </p:cNvPr>
           <p:cNvSpPr>
             <a:spLocks noGrp="1"/>
           </p:cNvSpPr>
@@ -15722,57 +16478,187 @@
           </p:nvPr>
         </p:nvSpPr>
         <p:spPr>
+          <a:xfrm>
+            <a:off x="457200" y="205979"/>
+            <a:ext cx="8229600" cy="857250"/>
+          </a:xfrm>
+        </p:spPr>
+        <p:txBody>
+          <a:bodyPr/>
+          <a:lstStyle/>
+          <a:p>
+            <a:r>
+              <a:rPr lang="en-US" dirty="0"/>
+              <a:t>This session’s structure</a:t>
+            </a:r>
+          </a:p>
+        </p:txBody>
+      </p:sp>
+      <p:sp>
+        <p:nvSpPr>
+          <p:cNvPr id="5" name="Content Placeholder 4">
+            <a:extLst>
+              <a:ext uri="{FF2B5EF4-FFF2-40B4-BE49-F238E27FC236}">
+                <a16:creationId xmlns:a16="http://schemas.microsoft.com/office/drawing/2014/main" id="{0C2E63EB-0F6A-4FE2-AEDF-6C5E49A3A9EA}"/>
+              </a:ext>
+            </a:extLst>
+          </p:cNvPr>
+          <p:cNvSpPr>
+            <a:spLocks noGrp="1"/>
+          </p:cNvSpPr>
+          <p:nvPr>
+            <p:ph sz="quarter" idx="11"/>
+          </p:nvPr>
+        </p:nvSpPr>
+        <p:spPr/>
+        <p:txBody>
+          <a:bodyPr/>
+          <a:lstStyle/>
+          <a:p>
+            <a:endParaRPr lang="en-US"/>
+          </a:p>
+        </p:txBody>
+      </p:sp>
+      <p:pic>
+        <p:nvPicPr>
+          <p:cNvPr id="7" name="Picture 6">
+            <a:extLst>
+              <a:ext uri="{FF2B5EF4-FFF2-40B4-BE49-F238E27FC236}">
+                <a16:creationId xmlns:a16="http://schemas.microsoft.com/office/drawing/2014/main" id="{8386F977-E500-443D-AFEC-05C28D1E1944}"/>
+              </a:ext>
+            </a:extLst>
+          </p:cNvPr>
+          <p:cNvPicPr>
+            <a:picLocks noChangeAspect="1"/>
+          </p:cNvPicPr>
+          <p:nvPr/>
+        </p:nvPicPr>
+        <p:blipFill>
+          <a:blip r:embed="rId2"/>
+          <a:stretch>
+            <a:fillRect/>
+          </a:stretch>
+        </p:blipFill>
+        <p:spPr>
+          <a:xfrm>
+            <a:off x="0" y="8602"/>
+            <a:ext cx="9144000" cy="5126295"/>
+          </a:xfrm>
           <a:prstGeom prst="rect">
             <a:avLst/>
           </a:prstGeom>
         </p:spPr>
-        <p:txBody>
-          <a:bodyPr/>
-          <a:lstStyle/>
-          <a:p>
-            <a:r>
-              <a:rPr lang="en-US" dirty="0"/>
-              <a:t>Questions?</a:t>
-            </a:r>
-          </a:p>
-        </p:txBody>
-      </p:sp>
-      <p:pic>
-        <p:nvPicPr>
-          <p:cNvPr id="7" name="Content Placeholder 6" descr="https://www.cs.siue.edu/news/.images/2006/2006-04-24_DNA_over_computer_keyboard.png"/>
-          <p:cNvPicPr>
-            <a:picLocks noGrp="1" noChangeAspect="1" noChangeArrowheads="1"/>
-          </p:cNvPicPr>
-          <p:nvPr>
-            <p:ph sz="quarter" idx="11"/>
-          </p:nvPr>
-        </p:nvPicPr>
-        <p:blipFill>
-          <a:blip r:embed="rId2" cstate="print"/>
-          <a:stretch>
-            <a:fillRect/>
-          </a:stretch>
-        </p:blipFill>
-        <p:spPr bwMode="auto">
+      </p:pic>
+      <p:sp>
+        <p:nvSpPr>
+          <p:cNvPr id="21" name="Rectangle 20">
+            <a:extLst>
+              <a:ext uri="{FF2B5EF4-FFF2-40B4-BE49-F238E27FC236}">
+                <a16:creationId xmlns:a16="http://schemas.microsoft.com/office/drawing/2014/main" id="{8F6DB1BD-BB8B-4A35-A591-118E5DEDE7AC}"/>
+              </a:ext>
+            </a:extLst>
+          </p:cNvPr>
+          <p:cNvSpPr/>
+          <p:nvPr/>
+        </p:nvSpPr>
+        <p:spPr>
           <a:xfrm>
-            <a:off x="1714500" y="1418432"/>
-            <a:ext cx="3079386" cy="2836465"/>
+            <a:off x="38100" y="2571750"/>
+            <a:ext cx="2430780" cy="1754326"/>
           </a:xfrm>
           <a:prstGeom prst="rect">
             <a:avLst/>
           </a:prstGeom>
-          <a:noFill/>
+          <a:solidFill>
+            <a:srgbClr val="FFF2CC">
+              <a:alpha val="30196"/>
+            </a:srgbClr>
+          </a:solidFill>
+          <a:ln w="9525"/>
         </p:spPr>
-      </p:pic>
+        <p:style>
+          <a:lnRef idx="2">
+            <a:schemeClr val="accent1">
+              <a:shade val="50000"/>
+            </a:schemeClr>
+          </a:lnRef>
+          <a:fillRef idx="1">
+            <a:schemeClr val="accent1"/>
+          </a:fillRef>
+          <a:effectRef idx="0">
+            <a:schemeClr val="accent1"/>
+          </a:effectRef>
+          <a:fontRef idx="minor">
+            <a:schemeClr val="lt1"/>
+          </a:fontRef>
+        </p:style>
+        <p:txBody>
+          <a:bodyPr rtlCol="0" anchor="ctr"/>
+          <a:lstStyle/>
+          <a:p>
+            <a:pPr algn="ctr"/>
+            <a:endParaRPr lang="en-US"/>
+          </a:p>
+        </p:txBody>
+      </p:sp>
+      <p:cxnSp>
+        <p:nvCxnSpPr>
+          <p:cNvPr id="9" name="Straight Connector 8">
+            <a:extLst>
+              <a:ext uri="{FF2B5EF4-FFF2-40B4-BE49-F238E27FC236}">
+                <a16:creationId xmlns:a16="http://schemas.microsoft.com/office/drawing/2014/main" id="{DBB6EF60-1E98-480C-B76F-CA0843363DD2}"/>
+              </a:ext>
+            </a:extLst>
+          </p:cNvPr>
+          <p:cNvCxnSpPr>
+            <a:cxnSpLocks/>
+          </p:cNvCxnSpPr>
+          <p:nvPr/>
+        </p:nvCxnSpPr>
+        <p:spPr>
+          <a:xfrm flipV="1">
+            <a:off x="38100" y="1905000"/>
+            <a:ext cx="3528060" cy="586740"/>
+          </a:xfrm>
+          <a:prstGeom prst="line">
+            <a:avLst/>
+          </a:prstGeom>
+          <a:ln>
+            <a:solidFill>
+              <a:schemeClr val="accent3"/>
+            </a:solidFill>
+          </a:ln>
+        </p:spPr>
+        <p:style>
+          <a:lnRef idx="1">
+            <a:schemeClr val="accent6"/>
+          </a:lnRef>
+          <a:fillRef idx="0">
+            <a:schemeClr val="accent6"/>
+          </a:fillRef>
+          <a:effectRef idx="0">
+            <a:schemeClr val="accent6"/>
+          </a:effectRef>
+          <a:fontRef idx="minor">
+            <a:schemeClr val="tx1"/>
+          </a:fontRef>
+        </p:style>
+      </p:cxnSp>
       <p:sp>
         <p:nvSpPr>
-          <p:cNvPr id="6" name="TextBox 5"/>
+          <p:cNvPr id="10" name="TextBox 9">
+            <a:extLst>
+              <a:ext uri="{FF2B5EF4-FFF2-40B4-BE49-F238E27FC236}">
+                <a16:creationId xmlns:a16="http://schemas.microsoft.com/office/drawing/2014/main" id="{CE71D43B-D85F-474E-A69B-BA965829F89D}"/>
+              </a:ext>
+            </a:extLst>
+          </p:cNvPr>
           <p:cNvSpPr txBox="1"/>
           <p:nvPr/>
         </p:nvSpPr>
         <p:spPr>
           <a:xfrm>
-            <a:off x="5230323" y="971551"/>
+            <a:off x="317236" y="2571750"/>
             <a:ext cx="2770677" cy="1754326"/>
           </a:xfrm>
           <a:prstGeom prst="rect">
@@ -15855,7 +16741,13 @@
       </p:sp>
       <p:pic>
         <p:nvPicPr>
-          <p:cNvPr id="4100" name="Picture 4" descr="https://g.twimg.com/Twitter_logo_blue.png"/>
+          <p:cNvPr id="11" name="Picture 4" descr="https://g.twimg.com/Twitter_logo_blue.png">
+            <a:extLst>
+              <a:ext uri="{FF2B5EF4-FFF2-40B4-BE49-F238E27FC236}">
+                <a16:creationId xmlns:a16="http://schemas.microsoft.com/office/drawing/2014/main" id="{B646B599-101E-4F61-8416-A26FD80243C1}"/>
+              </a:ext>
+            </a:extLst>
+          </p:cNvPr>
           <p:cNvPicPr>
             <a:picLocks noChangeAspect="1" noChangeArrowheads="1"/>
           </p:cNvPicPr>
@@ -15876,7 +16768,7 @@
         </p:blipFill>
         <p:spPr bwMode="auto">
           <a:xfrm>
-            <a:off x="5033833" y="1896751"/>
+            <a:off x="120746" y="3496950"/>
             <a:ext cx="252929" cy="205740"/>
           </a:xfrm>
           <a:prstGeom prst="rect">
@@ -15896,7 +16788,13 @@
       </p:pic>
       <p:pic>
         <p:nvPicPr>
-          <p:cNvPr id="4106" name="Picture 10" descr="http://felixonline.co.uk/themes/2014/img/email.png"/>
+          <p:cNvPr id="12" name="Picture 10" descr="http://felixonline.co.uk/themes/2014/img/email.png">
+            <a:extLst>
+              <a:ext uri="{FF2B5EF4-FFF2-40B4-BE49-F238E27FC236}">
+                <a16:creationId xmlns:a16="http://schemas.microsoft.com/office/drawing/2014/main" id="{F3CF2B0F-C116-4EE8-B5D5-C7E9F674644A}"/>
+              </a:ext>
+            </a:extLst>
+          </p:cNvPr>
           <p:cNvPicPr>
             <a:picLocks noChangeAspect="1" noChangeArrowheads="1"/>
           </p:cNvPicPr>
@@ -15917,7 +16815,7 @@
         </p:blipFill>
         <p:spPr bwMode="auto">
           <a:xfrm>
-            <a:off x="5033834" y="1335755"/>
+            <a:off x="120747" y="2935954"/>
             <a:ext cx="205740" cy="205740"/>
           </a:xfrm>
           <a:prstGeom prst="rect">
@@ -15937,7 +16835,13 @@
       </p:pic>
       <p:pic>
         <p:nvPicPr>
-          <p:cNvPr id="4108" name="Picture 12" descr="http://vignette3.wikia.nocookie.net/nation/images/6/61/Emblem_person_blue.png/revision/latest?cb=20120218131529"/>
+          <p:cNvPr id="13" name="Picture 12" descr="http://vignette3.wikia.nocookie.net/nation/images/6/61/Emblem_person_blue.png/revision/latest?cb=20120218131529">
+            <a:extLst>
+              <a:ext uri="{FF2B5EF4-FFF2-40B4-BE49-F238E27FC236}">
+                <a16:creationId xmlns:a16="http://schemas.microsoft.com/office/drawing/2014/main" id="{47003EA4-9EE7-4727-AF46-4F07580EBDA6}"/>
+              </a:ext>
+            </a:extLst>
+          </p:cNvPr>
           <p:cNvPicPr>
             <a:picLocks noChangeAspect="1" noChangeArrowheads="1"/>
           </p:cNvPicPr>
@@ -15958,7 +16862,7 @@
         </p:blipFill>
         <p:spPr bwMode="auto">
           <a:xfrm>
-            <a:off x="5033834" y="1047533"/>
+            <a:off x="120747" y="2647732"/>
             <a:ext cx="205740" cy="205740"/>
           </a:xfrm>
           <a:prstGeom prst="rect">
@@ -15978,7 +16882,13 @@
       </p:pic>
       <p:pic>
         <p:nvPicPr>
-          <p:cNvPr id="4116" name="Picture 20" descr="https://assets-cdn.github.com/images/modules/logos_page/Octocat.png"/>
+          <p:cNvPr id="14" name="Picture 20" descr="https://assets-cdn.github.com/images/modules/logos_page/Octocat.png">
+            <a:extLst>
+              <a:ext uri="{FF2B5EF4-FFF2-40B4-BE49-F238E27FC236}">
+                <a16:creationId xmlns:a16="http://schemas.microsoft.com/office/drawing/2014/main" id="{04A3F653-869B-46DC-911B-FD0E9E3AFC91}"/>
+              </a:ext>
+            </a:extLst>
+          </p:cNvPr>
           <p:cNvPicPr>
             <a:picLocks noChangeAspect="1" noChangeArrowheads="1"/>
           </p:cNvPicPr>
@@ -15999,7 +16909,7 @@
         </p:blipFill>
         <p:spPr bwMode="auto">
           <a:xfrm>
-            <a:off x="5033834" y="2189046"/>
+            <a:off x="120747" y="3789245"/>
             <a:ext cx="247479" cy="205740"/>
           </a:xfrm>
           <a:prstGeom prst="rect">
@@ -16019,10 +16929,10 @@
       </p:pic>
       <p:pic>
         <p:nvPicPr>
-          <p:cNvPr id="4" name="Graphic 3" descr="Radio microphone">
+          <p:cNvPr id="15" name="Graphic 14" descr="Radio microphone">
             <a:extLst>
               <a:ext uri="{FF2B5EF4-FFF2-40B4-BE49-F238E27FC236}">
-                <a16:creationId xmlns:a16="http://schemas.microsoft.com/office/drawing/2014/main" id="{B53C8080-74CF-4825-A8D1-410DA68AAB9C}"/>
+                <a16:creationId xmlns:a16="http://schemas.microsoft.com/office/drawing/2014/main" id="{33625ED6-DCEC-44F8-AC15-F67797CBFA91}"/>
               </a:ext>
             </a:extLst>
           </p:cNvPr>
@@ -16048,7 +16958,7 @@
         </p:blipFill>
         <p:spPr>
           <a:xfrm>
-            <a:off x="5019767" y="2407682"/>
+            <a:off x="106680" y="4007881"/>
             <a:ext cx="274320" cy="274320"/>
           </a:xfrm>
           <a:prstGeom prst="rect">
@@ -16056,16 +16966,203 @@
           </a:prstGeom>
         </p:spPr>
       </p:pic>
+      <p:sp>
+        <p:nvSpPr>
+          <p:cNvPr id="16" name="Rectangle 15">
+            <a:extLst>
+              <a:ext uri="{FF2B5EF4-FFF2-40B4-BE49-F238E27FC236}">
+                <a16:creationId xmlns:a16="http://schemas.microsoft.com/office/drawing/2014/main" id="{34CDF9DC-CB8B-43ED-8692-983DCD2AA42A}"/>
+              </a:ext>
+            </a:extLst>
+          </p:cNvPr>
+          <p:cNvSpPr/>
+          <p:nvPr/>
+        </p:nvSpPr>
+        <p:spPr>
+          <a:xfrm>
+            <a:off x="3680460" y="1935480"/>
+            <a:ext cx="3101340" cy="518160"/>
+          </a:xfrm>
+          <a:prstGeom prst="rect">
+            <a:avLst/>
+          </a:prstGeom>
+          <a:noFill/>
+          <a:ln>
+            <a:solidFill>
+              <a:srgbClr val="FF4F4F"/>
+            </a:solidFill>
+          </a:ln>
+        </p:spPr>
+        <p:style>
+          <a:lnRef idx="2">
+            <a:schemeClr val="accent1">
+              <a:shade val="50000"/>
+            </a:schemeClr>
+          </a:lnRef>
+          <a:fillRef idx="1">
+            <a:schemeClr val="accent1"/>
+          </a:fillRef>
+          <a:effectRef idx="0">
+            <a:schemeClr val="accent1"/>
+          </a:effectRef>
+          <a:fontRef idx="minor">
+            <a:schemeClr val="lt1"/>
+          </a:fontRef>
+        </p:style>
+        <p:txBody>
+          <a:bodyPr rtlCol="0" anchor="ctr"/>
+          <a:lstStyle/>
+          <a:p>
+            <a:pPr algn="ctr"/>
+            <a:endParaRPr lang="en-US" dirty="0">
+              <a:noFill/>
+            </a:endParaRPr>
+          </a:p>
+        </p:txBody>
+      </p:sp>
     </p:spTree>
     <p:extLst>
       <p:ext uri="{BB962C8B-B14F-4D97-AF65-F5344CB8AC3E}">
-        <p14:creationId xmlns:p14="http://schemas.microsoft.com/office/powerpoint/2010/main" val="2167921340"/>
+        <p14:creationId xmlns:p14="http://schemas.microsoft.com/office/powerpoint/2010/main" val="2772381535"/>
       </p:ext>
     </p:extLst>
   </p:cSld>
   <p:clrMapOvr>
     <a:masterClrMapping/>
   </p:clrMapOvr>
+  <p:timing>
+    <p:tnLst>
+      <p:par>
+        <p:cTn id="1" dur="indefinite" restart="never" nodeType="tmRoot">
+          <p:childTnLst>
+            <p:seq concurrent="1" nextAc="seek">
+              <p:cTn id="2" dur="indefinite" nodeType="mainSeq">
+                <p:childTnLst>
+                  <p:par>
+                    <p:cTn id="3" fill="hold">
+                      <p:stCondLst>
+                        <p:cond delay="indefinite"/>
+                        <p:cond evt="onBegin" delay="0">
+                          <p:tn val="2"/>
+                        </p:cond>
+                      </p:stCondLst>
+                      <p:childTnLst>
+                        <p:par>
+                          <p:cTn id="4" fill="hold">
+                            <p:stCondLst>
+                              <p:cond delay="0"/>
+                            </p:stCondLst>
+                            <p:childTnLst>
+                              <p:par>
+                                <p:cTn id="5" presetID="22" presetClass="entr" presetSubtype="8" fill="hold" nodeType="afterEffect">
+                                  <p:stCondLst>
+                                    <p:cond delay="1000"/>
+                                  </p:stCondLst>
+                                  <p:childTnLst>
+                                    <p:set>
+                                      <p:cBhvr>
+                                        <p:cTn id="6" dur="1" fill="hold">
+                                          <p:stCondLst>
+                                            <p:cond delay="0"/>
+                                          </p:stCondLst>
+                                        </p:cTn>
+                                        <p:tgtEl>
+                                          <p:spTgt spid="9"/>
+                                        </p:tgtEl>
+                                        <p:attrNameLst>
+                                          <p:attrName>style.visibility</p:attrName>
+                                        </p:attrNameLst>
+                                      </p:cBhvr>
+                                      <p:to>
+                                        <p:strVal val="visible"/>
+                                      </p:to>
+                                    </p:set>
+                                    <p:animEffect transition="in" filter="wipe(left)">
+                                      <p:cBhvr>
+                                        <p:cTn id="7" dur="1000"/>
+                                        <p:tgtEl>
+                                          <p:spTgt spid="9"/>
+                                        </p:tgtEl>
+                                      </p:cBhvr>
+                                    </p:animEffect>
+                                  </p:childTnLst>
+                                </p:cTn>
+                              </p:par>
+                            </p:childTnLst>
+                          </p:cTn>
+                        </p:par>
+                        <p:par>
+                          <p:cTn id="8" fill="hold">
+                            <p:stCondLst>
+                              <p:cond delay="2000"/>
+                            </p:stCondLst>
+                            <p:childTnLst>
+                              <p:par>
+                                <p:cTn id="9" presetID="21" presetClass="entr" presetSubtype="1" fill="hold" grpId="0" nodeType="afterEffect">
+                                  <p:stCondLst>
+                                    <p:cond delay="500"/>
+                                  </p:stCondLst>
+                                  <p:childTnLst>
+                                    <p:set>
+                                      <p:cBhvr>
+                                        <p:cTn id="10" dur="1" fill="hold">
+                                          <p:stCondLst>
+                                            <p:cond delay="0"/>
+                                          </p:stCondLst>
+                                        </p:cTn>
+                                        <p:tgtEl>
+                                          <p:spTgt spid="16"/>
+                                        </p:tgtEl>
+                                        <p:attrNameLst>
+                                          <p:attrName>style.visibility</p:attrName>
+                                        </p:attrNameLst>
+                                      </p:cBhvr>
+                                      <p:to>
+                                        <p:strVal val="visible"/>
+                                      </p:to>
+                                    </p:set>
+                                    <p:animEffect transition="in" filter="wheel(1)">
+                                      <p:cBhvr>
+                                        <p:cTn id="11" dur="1000"/>
+                                        <p:tgtEl>
+                                          <p:spTgt spid="16"/>
+                                        </p:tgtEl>
+                                      </p:cBhvr>
+                                    </p:animEffect>
+                                  </p:childTnLst>
+                                </p:cTn>
+                              </p:par>
+                            </p:childTnLst>
+                          </p:cTn>
+                        </p:par>
+                      </p:childTnLst>
+                    </p:cTn>
+                  </p:par>
+                </p:childTnLst>
+              </p:cTn>
+              <p:prevCondLst>
+                <p:cond evt="onPrev" delay="0">
+                  <p:tgtEl>
+                    <p:sldTgt/>
+                  </p:tgtEl>
+                </p:cond>
+              </p:prevCondLst>
+              <p:nextCondLst>
+                <p:cond evt="onNext" delay="0">
+                  <p:tgtEl>
+                    <p:sldTgt/>
+                  </p:tgtEl>
+                </p:cond>
+              </p:nextCondLst>
+            </p:seq>
+          </p:childTnLst>
+        </p:cTn>
+      </p:par>
+    </p:tnLst>
+    <p:bldLst>
+      <p:bldP spid="16" grpId="0" animBg="1"/>
+    </p:bldLst>
+  </p:timing>
 </p:sld>
 </file>
 
@@ -16311,31 +17408,55 @@
           </a:p>
         </p:txBody>
       </p:sp>
-      <p:sp>
-        <p:nvSpPr>
-          <p:cNvPr id="5" name="Content Placeholder 4">
+      <p:pic>
+        <p:nvPicPr>
+          <p:cNvPr id="4098" name="Picture 2">
             <a:extLst>
               <a:ext uri="{FF2B5EF4-FFF2-40B4-BE49-F238E27FC236}">
-                <a16:creationId xmlns:a16="http://schemas.microsoft.com/office/drawing/2014/main" id="{F5160342-683F-4C0B-8AB2-81E7D501D225}"/>
+                <a16:creationId xmlns:a16="http://schemas.microsoft.com/office/drawing/2014/main" id="{8E011F74-2989-4947-A6A4-835FAF8927FC}"/>
               </a:ext>
             </a:extLst>
           </p:cNvPr>
-          <p:cNvSpPr>
-            <a:spLocks noGrp="1"/>
-          </p:cNvSpPr>
+          <p:cNvPicPr>
+            <a:picLocks noGrp="1" noChangeAspect="1" noChangeArrowheads="1"/>
+          </p:cNvPicPr>
           <p:nvPr>
             <p:ph idx="10"/>
           </p:nvPr>
-        </p:nvSpPr>
-        <p:spPr/>
-        <p:txBody>
-          <a:bodyPr/>
-          <a:lstStyle/>
-          <a:p>
-            <a:endParaRPr lang="en-US" dirty="0"/>
-          </a:p>
-        </p:txBody>
-      </p:sp>
+        </p:nvPicPr>
+        <p:blipFill>
+          <a:blip r:embed="rId3" cstate="print">
+            <a:extLst>
+              <a:ext uri="{28A0092B-C50C-407E-A947-70E740481C1C}">
+                <a14:useLocalDpi xmlns:a14="http://schemas.microsoft.com/office/drawing/2010/main" val="0"/>
+              </a:ext>
+            </a:extLst>
+          </a:blip>
+          <a:srcRect/>
+          <a:stretch>
+            <a:fillRect/>
+          </a:stretch>
+        </p:blipFill>
+        <p:spPr bwMode="auto">
+          <a:xfrm>
+            <a:off x="4806950" y="1588421"/>
+            <a:ext cx="3879850" cy="2366708"/>
+          </a:xfrm>
+          <a:prstGeom prst="rect">
+            <a:avLst/>
+          </a:prstGeom>
+          <a:noFill/>
+          <a:extLst>
+            <a:ext uri="{909E8E84-426E-40DD-AFC4-6F175D3DCCD1}">
+              <a14:hiddenFill xmlns:a14="http://schemas.microsoft.com/office/drawing/2010/main">
+                <a:solidFill>
+                  <a:srgbClr val="FFFFFF"/>
+                </a:solidFill>
+              </a14:hiddenFill>
+            </a:ext>
+          </a:extLst>
+        </p:spPr>
+      </p:pic>
     </p:spTree>
     <p:extLst>
       <p:ext uri="{BB962C8B-B14F-4D97-AF65-F5344CB8AC3E}">
@@ -16478,7 +17599,7 @@
             <p:ph idx="1"/>
             <p:extLst>
               <p:ext uri="{D42A27DB-BD31-4B8C-83A1-F6EECF244321}">
-                <p14:modId xmlns:p14="http://schemas.microsoft.com/office/powerpoint/2010/main" val="2314105310"/>
+                <p14:modId xmlns:p14="http://schemas.microsoft.com/office/powerpoint/2010/main" val="270240257"/>
               </p:ext>
             </p:extLst>
           </p:nvPr>
@@ -16604,7 +17725,7 @@
           <a:p>
             <a:r>
               <a:rPr lang="en-US" dirty="0"/>
-              <a:t>Blast input vs </a:t>
+              <a:t>BLAST input vs </a:t>
             </a:r>
             <a:r>
               <a:rPr lang="en-US" dirty="0" err="1"/>
@@ -16886,7 +18007,7 @@
             <p:ph idx="1"/>
             <p:extLst>
               <p:ext uri="{D42A27DB-BD31-4B8C-83A1-F6EECF244321}">
-                <p14:modId xmlns:p14="http://schemas.microsoft.com/office/powerpoint/2010/main" val="1923763395"/>
+                <p14:modId xmlns:p14="http://schemas.microsoft.com/office/powerpoint/2010/main" val="1731965013"/>
               </p:ext>
             </p:extLst>
           </p:nvPr>
@@ -17191,31 +18312,41 @@
           </a:p>
         </p:txBody>
       </p:sp>
-      <p:sp>
-        <p:nvSpPr>
-          <p:cNvPr id="5" name="Content Placeholder 4">
+      <p:pic>
+        <p:nvPicPr>
+          <p:cNvPr id="6" name="Content Placeholder 5" descr="Bacteria in a capsule">
             <a:extLst>
               <a:ext uri="{FF2B5EF4-FFF2-40B4-BE49-F238E27FC236}">
-                <a16:creationId xmlns:a16="http://schemas.microsoft.com/office/drawing/2014/main" id="{F5160342-683F-4C0B-8AB2-81E7D501D225}"/>
+                <a16:creationId xmlns:a16="http://schemas.microsoft.com/office/drawing/2014/main" id="{085D3A10-74B4-4B43-A67C-84450408B6D9}"/>
               </a:ext>
             </a:extLst>
           </p:cNvPr>
-          <p:cNvSpPr>
-            <a:spLocks noGrp="1"/>
-          </p:cNvSpPr>
+          <p:cNvPicPr>
+            <a:picLocks noGrp="1" noChangeAspect="1"/>
+          </p:cNvPicPr>
           <p:nvPr>
             <p:ph idx="10"/>
           </p:nvPr>
-        </p:nvSpPr>
-        <p:spPr/>
-        <p:txBody>
-          <a:bodyPr/>
-          <a:lstStyle/>
-          <a:p>
-            <a:endParaRPr lang="en-US" dirty="0"/>
-          </a:p>
-        </p:txBody>
-      </p:sp>
+        </p:nvPicPr>
+        <p:blipFill>
+          <a:blip r:embed="rId2" cstate="print">
+            <a:extLst>
+              <a:ext uri="{28A0092B-C50C-407E-A947-70E740481C1C}">
+                <a14:useLocalDpi xmlns:a14="http://schemas.microsoft.com/office/drawing/2010/main" val="0"/>
+              </a:ext>
+            </a:extLst>
+          </a:blip>
+          <a:stretch>
+            <a:fillRect/>
+          </a:stretch>
+        </p:blipFill>
+        <p:spPr>
+          <a:xfrm>
+            <a:off x="4806950" y="1413827"/>
+            <a:ext cx="3879850" cy="2715895"/>
+          </a:xfrm>
+        </p:spPr>
+      </p:pic>
     </p:spTree>
     <p:extLst>
       <p:ext uri="{BB962C8B-B14F-4D97-AF65-F5344CB8AC3E}">
